--- a/Documentation/Presentazione.pptx
+++ b/Documentation/Presentazione.pptx
@@ -6,9 +6,18 @@
   </p:sldMasterIdLst>
   <p:sldIdLst>
     <p:sldId id="256" r:id="rId5"/>
-    <p:sldId id="258" r:id="rId6"/>
-    <p:sldId id="257" r:id="rId7"/>
-    <p:sldId id="259" r:id="rId8"/>
+    <p:sldId id="260" r:id="rId6"/>
+    <p:sldId id="261" r:id="rId7"/>
+    <p:sldId id="263" r:id="rId8"/>
+    <p:sldId id="265" r:id="rId9"/>
+    <p:sldId id="266" r:id="rId10"/>
+    <p:sldId id="267" r:id="rId11"/>
+    <p:sldId id="268" r:id="rId12"/>
+    <p:sldId id="269" r:id="rId13"/>
+    <p:sldId id="270" r:id="rId14"/>
+    <p:sldId id="271" r:id="rId15"/>
+    <p:sldId id="257" r:id="rId16"/>
+    <p:sldId id="259" r:id="rId17"/>
   </p:sldIdLst>
   <p:sldSz cx="12192000" cy="6858000"/>
   <p:notesSz cx="6858000" cy="9144000"/>
@@ -107,6 +116,11 @@
       </a:defRPr>
     </a:lvl9pPr>
   </p:defaultTextStyle>
+  <p:extLst>
+    <p:ext uri="{EFAFB233-063F-42B5-8137-9DF3F51BA10A}">
+      <p15:sldGuideLst xmlns:p15="http://schemas.microsoft.com/office/powerpoint/2012/main"/>
+    </p:ext>
+  </p:extLst>
 </p:presentation>
 </file>
 
@@ -259,7 +273,7 @@
           <a:p>
             <a:fld id="{B125D311-7E4F-4DCE-8ED2-117DA67B80E6}" type="datetimeFigureOut">
               <a:rPr lang="en-GB" smtClean="0"/>
-              <a:t>25/05/2021</a:t>
+              <a:t>26/05/2021</a:t>
             </a:fld>
             <a:endParaRPr lang="en-GB"/>
           </a:p>
@@ -459,7 +473,7 @@
           <a:p>
             <a:fld id="{B125D311-7E4F-4DCE-8ED2-117DA67B80E6}" type="datetimeFigureOut">
               <a:rPr lang="en-GB" smtClean="0"/>
-              <a:t>25/05/2021</a:t>
+              <a:t>26/05/2021</a:t>
             </a:fld>
             <a:endParaRPr lang="en-GB"/>
           </a:p>
@@ -669,7 +683,7 @@
           <a:p>
             <a:fld id="{B125D311-7E4F-4DCE-8ED2-117DA67B80E6}" type="datetimeFigureOut">
               <a:rPr lang="en-GB" smtClean="0"/>
-              <a:t>25/05/2021</a:t>
+              <a:t>26/05/2021</a:t>
             </a:fld>
             <a:endParaRPr lang="en-GB"/>
           </a:p>
@@ -869,7 +883,7 @@
           <a:p>
             <a:fld id="{B125D311-7E4F-4DCE-8ED2-117DA67B80E6}" type="datetimeFigureOut">
               <a:rPr lang="en-GB" smtClean="0"/>
-              <a:t>25/05/2021</a:t>
+              <a:t>26/05/2021</a:t>
             </a:fld>
             <a:endParaRPr lang="en-GB"/>
           </a:p>
@@ -1145,7 +1159,7 @@
           <a:p>
             <a:fld id="{B125D311-7E4F-4DCE-8ED2-117DA67B80E6}" type="datetimeFigureOut">
               <a:rPr lang="en-GB" smtClean="0"/>
-              <a:t>25/05/2021</a:t>
+              <a:t>26/05/2021</a:t>
             </a:fld>
             <a:endParaRPr lang="en-GB"/>
           </a:p>
@@ -1413,7 +1427,7 @@
           <a:p>
             <a:fld id="{B125D311-7E4F-4DCE-8ED2-117DA67B80E6}" type="datetimeFigureOut">
               <a:rPr lang="en-GB" smtClean="0"/>
-              <a:t>25/05/2021</a:t>
+              <a:t>26/05/2021</a:t>
             </a:fld>
             <a:endParaRPr lang="en-GB"/>
           </a:p>
@@ -1828,7 +1842,7 @@
           <a:p>
             <a:fld id="{B125D311-7E4F-4DCE-8ED2-117DA67B80E6}" type="datetimeFigureOut">
               <a:rPr lang="en-GB" smtClean="0"/>
-              <a:t>25/05/2021</a:t>
+              <a:t>26/05/2021</a:t>
             </a:fld>
             <a:endParaRPr lang="en-GB"/>
           </a:p>
@@ -1970,7 +1984,7 @@
           <a:p>
             <a:fld id="{B125D311-7E4F-4DCE-8ED2-117DA67B80E6}" type="datetimeFigureOut">
               <a:rPr lang="en-GB" smtClean="0"/>
-              <a:t>25/05/2021</a:t>
+              <a:t>26/05/2021</a:t>
             </a:fld>
             <a:endParaRPr lang="en-GB"/>
           </a:p>
@@ -2083,7 +2097,7 @@
           <a:p>
             <a:fld id="{B125D311-7E4F-4DCE-8ED2-117DA67B80E6}" type="datetimeFigureOut">
               <a:rPr lang="en-GB" smtClean="0"/>
-              <a:t>25/05/2021</a:t>
+              <a:t>26/05/2021</a:t>
             </a:fld>
             <a:endParaRPr lang="en-GB"/>
           </a:p>
@@ -2396,7 +2410,7 @@
           <a:p>
             <a:fld id="{B125D311-7E4F-4DCE-8ED2-117DA67B80E6}" type="datetimeFigureOut">
               <a:rPr lang="en-GB" smtClean="0"/>
-              <a:t>25/05/2021</a:t>
+              <a:t>26/05/2021</a:t>
             </a:fld>
             <a:endParaRPr lang="en-GB"/>
           </a:p>
@@ -2685,7 +2699,7 @@
           <a:p>
             <a:fld id="{B125D311-7E4F-4DCE-8ED2-117DA67B80E6}" type="datetimeFigureOut">
               <a:rPr lang="en-GB" smtClean="0"/>
-              <a:t>25/05/2021</a:t>
+              <a:t>26/05/2021</a:t>
             </a:fld>
             <a:endParaRPr lang="en-GB"/>
           </a:p>
@@ -2928,7 +2942,7 @@
           <a:p>
             <a:fld id="{B125D311-7E4F-4DCE-8ED2-117DA67B80E6}" type="datetimeFigureOut">
               <a:rPr lang="en-GB" smtClean="0"/>
-              <a:t>25/05/2021</a:t>
+              <a:t>26/05/2021</a:t>
             </a:fld>
             <a:endParaRPr lang="en-GB"/>
           </a:p>
@@ -3806,7 +3820,168 @@
 </p:sld>
 </file>
 
-<file path=ppt/slides/slide2.xml><?xml version="1.0" encoding="utf-8"?>
+<file path=ppt/slides/slide10.xml><?xml version="1.0" encoding="utf-8"?>
+<p:sld xmlns:a="http://schemas.openxmlformats.org/drawingml/2006/main" xmlns:r="http://schemas.openxmlformats.org/officeDocument/2006/relationships" xmlns:p="http://schemas.openxmlformats.org/presentationml/2006/main">
+  <p:cSld>
+    <p:bg>
+      <p:bgPr>
+        <a:solidFill>
+          <a:schemeClr val="bg1"/>
+        </a:solidFill>
+        <a:effectLst/>
+      </p:bgPr>
+    </p:bg>
+    <p:spTree>
+      <p:nvGrpSpPr>
+        <p:cNvPr id="1" name=""/>
+        <p:cNvGrpSpPr/>
+        <p:nvPr/>
+      </p:nvGrpSpPr>
+      <p:grpSpPr>
+        <a:xfrm>
+          <a:off x="0" y="0"/>
+          <a:ext cx="0" cy="0"/>
+          <a:chOff x="0" y="0"/>
+          <a:chExt cx="0" cy="0"/>
+        </a:xfrm>
+      </p:grpSpPr>
+      <p:pic>
+        <p:nvPicPr>
+          <p:cNvPr id="3" name="Immagine 2">
+            <a:extLst>
+              <a:ext uri="{FF2B5EF4-FFF2-40B4-BE49-F238E27FC236}">
+                <a16:creationId xmlns:a16="http://schemas.microsoft.com/office/drawing/2014/main" id="{79B25A96-C1B5-4BC2-B415-3B240E0B46ED}"/>
+              </a:ext>
+            </a:extLst>
+          </p:cNvPr>
+          <p:cNvPicPr>
+            <a:picLocks noChangeAspect="1"/>
+          </p:cNvPicPr>
+          <p:nvPr/>
+        </p:nvPicPr>
+        <p:blipFill rotWithShape="1">
+          <a:blip r:embed="rId2">
+            <a:extLst>
+              <a:ext uri="{28A0092B-C50C-407E-A947-70E740481C1C}">
+                <a14:useLocalDpi xmlns:a14="http://schemas.microsoft.com/office/drawing/2010/main" val="0"/>
+              </a:ext>
+            </a:extLst>
+          </a:blip>
+          <a:srcRect r="43179" b="48687"/>
+          <a:stretch/>
+        </p:blipFill>
+        <p:spPr>
+          <a:xfrm>
+            <a:off x="1115616" y="2519053"/>
+            <a:ext cx="3292524" cy="1813748"/>
+          </a:xfrm>
+          <a:prstGeom prst="rect">
+            <a:avLst/>
+          </a:prstGeom>
+        </p:spPr>
+      </p:pic>
+      <p:cxnSp>
+        <p:nvCxnSpPr>
+          <p:cNvPr id="18" name="Straight Connector 17">
+            <a:extLst>
+              <a:ext uri="{FF2B5EF4-FFF2-40B4-BE49-F238E27FC236}">
+                <a16:creationId xmlns:a16="http://schemas.microsoft.com/office/drawing/2014/main" id="{1C6AAE25-BD23-41B5-AAE4-1DA5898C2ADB}"/>
+              </a:ext>
+              <a:ext uri="{C183D7F6-B498-43B3-948B-1728B52AA6E4}">
+                <adec:decorative xmlns:adec="http://schemas.microsoft.com/office/drawing/2017/decorative" val="1"/>
+              </a:ext>
+            </a:extLst>
+          </p:cNvPr>
+          <p:cNvCxnSpPr>
+            <a:cxnSpLocks noGrp="1" noRot="1" noChangeAspect="1" noMove="1" noResize="1" noEditPoints="1" noAdjustHandles="1" noChangeArrowheads="1" noChangeShapeType="1"/>
+          </p:cNvCxnSpPr>
+          <p:nvPr>
+            <p:extLst>
+              <p:ext uri="{386F3935-93C4-4BCD-93E2-E3B085C9AB24}">
+                <p16:designElem xmlns:p16="http://schemas.microsoft.com/office/powerpoint/2015/main" val="1"/>
+              </p:ext>
+            </p:extLst>
+          </p:nvPr>
+        </p:nvCxnSpPr>
+        <p:spPr>
+          <a:xfrm>
+            <a:off x="4654296" y="1573887"/>
+            <a:ext cx="0" cy="3710227"/>
+          </a:xfrm>
+          <a:prstGeom prst="line">
+            <a:avLst/>
+          </a:prstGeom>
+          <a:ln w="19050">
+            <a:solidFill>
+              <a:srgbClr val="FB2916"/>
+            </a:solidFill>
+          </a:ln>
+        </p:spPr>
+        <p:style>
+          <a:lnRef idx="1">
+            <a:schemeClr val="accent1"/>
+          </a:lnRef>
+          <a:fillRef idx="0">
+            <a:schemeClr val="accent1"/>
+          </a:fillRef>
+          <a:effectRef idx="0">
+            <a:schemeClr val="accent1"/>
+          </a:effectRef>
+          <a:fontRef idx="minor">
+            <a:schemeClr val="tx1"/>
+          </a:fontRef>
+        </p:style>
+      </p:cxnSp>
+      <p:pic>
+        <p:nvPicPr>
+          <p:cNvPr id="5" name="Immagine 4">
+            <a:extLst>
+              <a:ext uri="{FF2B5EF4-FFF2-40B4-BE49-F238E27FC236}">
+                <a16:creationId xmlns:a16="http://schemas.microsoft.com/office/drawing/2014/main" id="{8F9393CF-403B-4FB5-A1BF-0CCE55A2D5B6}"/>
+              </a:ext>
+            </a:extLst>
+          </p:cNvPr>
+          <p:cNvPicPr>
+            <a:picLocks noChangeAspect="1"/>
+          </p:cNvPicPr>
+          <p:nvPr/>
+        </p:nvPicPr>
+        <p:blipFill>
+          <a:blip r:embed="rId3">
+            <a:extLst>
+              <a:ext uri="{28A0092B-C50C-407E-A947-70E740481C1C}">
+                <a14:useLocalDpi xmlns:a14="http://schemas.microsoft.com/office/drawing/2010/main" val="0"/>
+              </a:ext>
+            </a:extLst>
+          </a:blip>
+          <a:stretch>
+            <a:fillRect/>
+          </a:stretch>
+        </p:blipFill>
+        <p:spPr>
+          <a:xfrm>
+            <a:off x="4886676" y="1678784"/>
+            <a:ext cx="6184580" cy="3494286"/>
+          </a:xfrm>
+          <a:prstGeom prst="rect">
+            <a:avLst/>
+          </a:prstGeom>
+        </p:spPr>
+      </p:pic>
+    </p:spTree>
+    <p:extLst>
+      <p:ext uri="{BB962C8B-B14F-4D97-AF65-F5344CB8AC3E}">
+        <p14:creationId xmlns:p14="http://schemas.microsoft.com/office/powerpoint/2010/main" val="4011467125"/>
+      </p:ext>
+    </p:extLst>
+  </p:cSld>
+  <p:clrMapOvr>
+    <a:masterClrMapping/>
+  </p:clrMapOvr>
+</p:sld>
+</file>
+
+<file path=ppt/slides/slide11.xml><?xml version="1.0" encoding="utf-8"?>
 <p:sld xmlns:a="http://schemas.openxmlformats.org/drawingml/2006/main" xmlns:r="http://schemas.openxmlformats.org/officeDocument/2006/relationships" xmlns:p="http://schemas.openxmlformats.org/presentationml/2006/main">
   <p:cSld>
     <p:spTree>
@@ -3825,10 +4000,361 @@
       </p:grpSpPr>
       <p:pic>
         <p:nvPicPr>
+          <p:cNvPr id="3" name="Immagine 2">
+            <a:extLst>
+              <a:ext uri="{FF2B5EF4-FFF2-40B4-BE49-F238E27FC236}">
+                <a16:creationId xmlns:a16="http://schemas.microsoft.com/office/drawing/2014/main" id="{74627C0C-1982-4B5A-AB81-BE5D9000F979}"/>
+              </a:ext>
+            </a:extLst>
+          </p:cNvPr>
+          <p:cNvPicPr>
+            <a:picLocks noChangeAspect="1"/>
+          </p:cNvPicPr>
+          <p:nvPr/>
+        </p:nvPicPr>
+        <p:blipFill rotWithShape="1">
+          <a:blip r:embed="rId2">
+            <a:extLst>
+              <a:ext uri="{28A0092B-C50C-407E-A947-70E740481C1C}">
+                <a14:useLocalDpi xmlns:a14="http://schemas.microsoft.com/office/drawing/2010/main" val="0"/>
+              </a:ext>
+            </a:extLst>
+          </a:blip>
+          <a:srcRect l="17394" t="80808" r="17410"/>
+          <a:stretch/>
+        </p:blipFill>
+        <p:spPr>
+          <a:xfrm>
+            <a:off x="2132201" y="246840"/>
+            <a:ext cx="7927597" cy="1316182"/>
+          </a:xfrm>
+          <a:prstGeom prst="rect">
+            <a:avLst/>
+          </a:prstGeom>
+        </p:spPr>
+      </p:pic>
+      <p:pic>
+        <p:nvPicPr>
           <p:cNvPr id="5" name="Immagine 4">
             <a:extLst>
               <a:ext uri="{FF2B5EF4-FFF2-40B4-BE49-F238E27FC236}">
-                <a16:creationId xmlns:a16="http://schemas.microsoft.com/office/drawing/2014/main" id="{0AEED5BB-A6CD-40B4-9A1B-574642EA34B1}"/>
+                <a16:creationId xmlns:a16="http://schemas.microsoft.com/office/drawing/2014/main" id="{4F1F7E6B-97FD-48AB-BCFC-1F86DE19C566}"/>
+              </a:ext>
+            </a:extLst>
+          </p:cNvPr>
+          <p:cNvPicPr>
+            <a:picLocks noChangeAspect="1"/>
+          </p:cNvPicPr>
+          <p:nvPr/>
+        </p:nvPicPr>
+        <p:blipFill rotWithShape="1">
+          <a:blip r:embed="rId3">
+            <a:extLst>
+              <a:ext uri="{28A0092B-C50C-407E-A947-70E740481C1C}">
+                <a14:useLocalDpi xmlns:a14="http://schemas.microsoft.com/office/drawing/2010/main" val="0"/>
+              </a:ext>
+            </a:extLst>
+          </a:blip>
+          <a:srcRect l="12274" t="-1" r="18262" b="38722"/>
+          <a:stretch/>
+        </p:blipFill>
+        <p:spPr>
+          <a:xfrm>
+            <a:off x="5269344" y="2618379"/>
+            <a:ext cx="1653311" cy="1621242"/>
+          </a:xfrm>
+          <a:prstGeom prst="rect">
+            <a:avLst/>
+          </a:prstGeom>
+        </p:spPr>
+      </p:pic>
+      <p:cxnSp>
+        <p:nvCxnSpPr>
+          <p:cNvPr id="9" name="Connettore a gomito 8">
+            <a:extLst>
+              <a:ext uri="{FF2B5EF4-FFF2-40B4-BE49-F238E27FC236}">
+                <a16:creationId xmlns:a16="http://schemas.microsoft.com/office/drawing/2014/main" id="{1A5969E5-8CBF-4CEC-BDE2-5529F29C5906}"/>
+              </a:ext>
+            </a:extLst>
+          </p:cNvPr>
+          <p:cNvCxnSpPr>
+            <a:endCxn id="5" idx="1"/>
+          </p:cNvCxnSpPr>
+          <p:nvPr/>
+        </p:nvCxnSpPr>
+        <p:spPr>
+          <a:xfrm>
+            <a:off x="2659310" y="1597500"/>
+            <a:ext cx="2610034" cy="1831500"/>
+          </a:xfrm>
+          <a:prstGeom prst="bentConnector3">
+            <a:avLst>
+              <a:gd name="adj1" fmla="val 181"/>
+            </a:avLst>
+          </a:prstGeom>
+          <a:ln>
+            <a:tailEnd type="triangle"/>
+          </a:ln>
+        </p:spPr>
+        <p:style>
+          <a:lnRef idx="1">
+            <a:schemeClr val="dk1"/>
+          </a:lnRef>
+          <a:fillRef idx="0">
+            <a:schemeClr val="dk1"/>
+          </a:fillRef>
+          <a:effectRef idx="0">
+            <a:schemeClr val="dk1"/>
+          </a:effectRef>
+          <a:fontRef idx="minor">
+            <a:schemeClr val="tx1"/>
+          </a:fontRef>
+        </p:style>
+      </p:cxnSp>
+      <p:cxnSp>
+        <p:nvCxnSpPr>
+          <p:cNvPr id="12" name="Connettore a gomito 11">
+            <a:extLst>
+              <a:ext uri="{FF2B5EF4-FFF2-40B4-BE49-F238E27FC236}">
+                <a16:creationId xmlns:a16="http://schemas.microsoft.com/office/drawing/2014/main" id="{308AF1C3-D37A-4715-BCB7-62E43C73FFDD}"/>
+              </a:ext>
+            </a:extLst>
+          </p:cNvPr>
+          <p:cNvCxnSpPr>
+            <a:endCxn id="5" idx="3"/>
+          </p:cNvCxnSpPr>
+          <p:nvPr/>
+        </p:nvCxnSpPr>
+        <p:spPr>
+          <a:xfrm rot="10800000" flipV="1">
+            <a:off x="6922656" y="1597500"/>
+            <a:ext cx="2624017" cy="1831500"/>
+          </a:xfrm>
+          <a:prstGeom prst="bentConnector3">
+            <a:avLst>
+              <a:gd name="adj1" fmla="val 127"/>
+            </a:avLst>
+          </a:prstGeom>
+          <a:ln>
+            <a:tailEnd type="triangle"/>
+          </a:ln>
+        </p:spPr>
+        <p:style>
+          <a:lnRef idx="1">
+            <a:schemeClr val="dk1"/>
+          </a:lnRef>
+          <a:fillRef idx="0">
+            <a:schemeClr val="dk1"/>
+          </a:fillRef>
+          <a:effectRef idx="0">
+            <a:schemeClr val="dk1"/>
+          </a:effectRef>
+          <a:fontRef idx="minor">
+            <a:schemeClr val="tx1"/>
+          </a:fontRef>
+        </p:style>
+      </p:cxnSp>
+      <p:cxnSp>
+        <p:nvCxnSpPr>
+          <p:cNvPr id="15" name="Connettore 2 14">
+            <a:extLst>
+              <a:ext uri="{FF2B5EF4-FFF2-40B4-BE49-F238E27FC236}">
+                <a16:creationId xmlns:a16="http://schemas.microsoft.com/office/drawing/2014/main" id="{77D24B14-4C09-406B-953E-3AEB7FD3CC48}"/>
+              </a:ext>
+            </a:extLst>
+          </p:cNvPr>
+          <p:cNvCxnSpPr>
+            <a:stCxn id="3" idx="2"/>
+            <a:endCxn id="5" idx="0"/>
+          </p:cNvCxnSpPr>
+          <p:nvPr/>
+        </p:nvCxnSpPr>
+        <p:spPr>
+          <a:xfrm>
+            <a:off x="6096000" y="1563022"/>
+            <a:ext cx="0" cy="1055357"/>
+          </a:xfrm>
+          <a:prstGeom prst="straightConnector1">
+            <a:avLst/>
+          </a:prstGeom>
+          <a:ln>
+            <a:tailEnd type="triangle"/>
+          </a:ln>
+        </p:spPr>
+        <p:style>
+          <a:lnRef idx="1">
+            <a:schemeClr val="dk1"/>
+          </a:lnRef>
+          <a:fillRef idx="0">
+            <a:schemeClr val="dk1"/>
+          </a:fillRef>
+          <a:effectRef idx="0">
+            <a:schemeClr val="dk1"/>
+          </a:effectRef>
+          <a:fontRef idx="minor">
+            <a:schemeClr val="tx1"/>
+          </a:fontRef>
+        </p:style>
+      </p:cxnSp>
+    </p:spTree>
+    <p:extLst>
+      <p:ext uri="{BB962C8B-B14F-4D97-AF65-F5344CB8AC3E}">
+        <p14:creationId xmlns:p14="http://schemas.microsoft.com/office/powerpoint/2010/main" val="1837594354"/>
+      </p:ext>
+    </p:extLst>
+  </p:cSld>
+  <p:clrMapOvr>
+    <a:masterClrMapping/>
+  </p:clrMapOvr>
+</p:sld>
+</file>
+
+<file path=ppt/slides/slide12.xml><?xml version="1.0" encoding="utf-8"?>
+<p:sld xmlns:a="http://schemas.openxmlformats.org/drawingml/2006/main" xmlns:r="http://schemas.openxmlformats.org/officeDocument/2006/relationships" xmlns:p="http://schemas.openxmlformats.org/presentationml/2006/main">
+  <p:cSld>
+    <p:bg>
+      <p:bgPr>
+        <a:solidFill>
+          <a:schemeClr val="bg1"/>
+        </a:solidFill>
+        <a:effectLst/>
+      </p:bgPr>
+    </p:bg>
+    <p:spTree>
+      <p:nvGrpSpPr>
+        <p:cNvPr id="1" name=""/>
+        <p:cNvGrpSpPr/>
+        <p:nvPr/>
+      </p:nvGrpSpPr>
+      <p:grpSpPr>
+        <a:xfrm>
+          <a:off x="0" y="0"/>
+          <a:ext cx="0" cy="0"/>
+          <a:chOff x="0" y="0"/>
+          <a:chExt cx="0" cy="0"/>
+        </a:xfrm>
+      </p:grpSpPr>
+      <p:sp>
+        <p:nvSpPr>
+          <p:cNvPr id="33" name="Flowchart: Document 28">
+            <a:extLst>
+              <a:ext uri="{FF2B5EF4-FFF2-40B4-BE49-F238E27FC236}">
+                <a16:creationId xmlns:a16="http://schemas.microsoft.com/office/drawing/2014/main" id="{D12DDE76-C203-4047-9998-63900085B5E8}"/>
+              </a:ext>
+              <a:ext uri="{C183D7F6-B498-43B3-948B-1728B52AA6E4}">
+                <adec:decorative xmlns:adec="http://schemas.microsoft.com/office/drawing/2017/decorative" val="1"/>
+              </a:ext>
+            </a:extLst>
+          </p:cNvPr>
+          <p:cNvSpPr>
+            <a:spLocks noGrp="1" noRot="1" noChangeAspect="1" noMove="1" noResize="1" noEditPoints="1" noAdjustHandles="1" noChangeArrowheads="1" noChangeShapeType="1" noTextEdit="1"/>
+          </p:cNvSpPr>
+          <p:nvPr>
+            <p:extLst>
+              <p:ext uri="{386F3935-93C4-4BCD-93E2-E3B085C9AB24}">
+                <p16:designElem xmlns:p16="http://schemas.microsoft.com/office/powerpoint/2015/main" val="1"/>
+              </p:ext>
+            </p:extLst>
+          </p:nvPr>
+        </p:nvSpPr>
+        <p:spPr>
+          <a:xfrm>
+            <a:off x="638175" y="0"/>
+            <a:ext cx="3248025" cy="3400426"/>
+          </a:xfrm>
+          <a:prstGeom prst="flowChartDocument">
+            <a:avLst/>
+          </a:prstGeom>
+          <a:solidFill>
+            <a:schemeClr val="accent1"/>
+          </a:solidFill>
+          <a:ln>
+            <a:noFill/>
+          </a:ln>
+        </p:spPr>
+        <p:style>
+          <a:lnRef idx="2">
+            <a:schemeClr val="accent1">
+              <a:shade val="50000"/>
+            </a:schemeClr>
+          </a:lnRef>
+          <a:fillRef idx="1">
+            <a:schemeClr val="accent1"/>
+          </a:fillRef>
+          <a:effectRef idx="0">
+            <a:schemeClr val="accent1"/>
+          </a:effectRef>
+          <a:fontRef idx="minor">
+            <a:schemeClr val="lt1"/>
+          </a:fontRef>
+        </p:style>
+        <p:txBody>
+          <a:bodyPr rtlCol="0" anchor="ctr"/>
+          <a:lstStyle/>
+          <a:p>
+            <a:pPr algn="ctr"/>
+            <a:endParaRPr lang="en-US"/>
+          </a:p>
+        </p:txBody>
+      </p:sp>
+      <p:sp>
+        <p:nvSpPr>
+          <p:cNvPr id="8" name="CasellaDiTesto 7">
+            <a:extLst>
+              <a:ext uri="{FF2B5EF4-FFF2-40B4-BE49-F238E27FC236}">
+                <a16:creationId xmlns:a16="http://schemas.microsoft.com/office/drawing/2014/main" id="{8909A644-35DD-47E8-A1E3-FDD0B8A28086}"/>
+              </a:ext>
+            </a:extLst>
+          </p:cNvPr>
+          <p:cNvSpPr txBox="1"/>
+          <p:nvPr/>
+        </p:nvSpPr>
+        <p:spPr>
+          <a:xfrm>
+            <a:off x="838200" y="171162"/>
+            <a:ext cx="2840182" cy="2371148"/>
+          </a:xfrm>
+          <a:prstGeom prst="rect">
+            <a:avLst/>
+          </a:prstGeom>
+        </p:spPr>
+        <p:txBody>
+          <a:bodyPr vert="horz" lIns="91440" tIns="45720" rIns="91440" bIns="45720" rtlCol="0" anchor="ctr">
+            <a:normAutofit/>
+          </a:bodyPr>
+          <a:lstStyle/>
+          <a:p>
+            <a:pPr>
+              <a:lnSpc>
+                <a:spcPct val="90000"/>
+              </a:lnSpc>
+              <a:spcBef>
+                <a:spcPct val="0"/>
+              </a:spcBef>
+              <a:spcAft>
+                <a:spcPts val="600"/>
+              </a:spcAft>
+            </a:pPr>
+            <a:r>
+              <a:rPr lang="en-US" sz="4400" kern="1200" dirty="0">
+                <a:solidFill>
+                  <a:srgbClr val="FFFFFF"/>
+                </a:solidFill>
+                <a:latin typeface="+mj-lt"/>
+                <a:ea typeface="+mj-ea"/>
+                <a:cs typeface="+mj-cs"/>
+              </a:rPr>
+              <a:t>Grazie per l’attenzione</a:t>
+            </a:r>
+          </a:p>
+        </p:txBody>
+      </p:sp>
+      <p:pic>
+        <p:nvPicPr>
+          <p:cNvPr id="7" name="Immagine 6">
+            <a:extLst>
+              <a:ext uri="{FF2B5EF4-FFF2-40B4-BE49-F238E27FC236}">
+                <a16:creationId xmlns:a16="http://schemas.microsoft.com/office/drawing/2014/main" id="{A66059AA-16A7-427B-8AE5-9BA9AE2D1C52}"/>
               </a:ext>
             </a:extLst>
           </p:cNvPr>
@@ -3851,8 +4377,8 @@
         </p:blipFill>
         <p:spPr>
           <a:xfrm>
-            <a:off x="80818" y="110836"/>
-            <a:ext cx="6858000" cy="6858000"/>
+            <a:off x="4656952" y="640080"/>
+            <a:ext cx="6449498" cy="5578816"/>
           </a:xfrm>
           <a:prstGeom prst="rect">
             <a:avLst/>
@@ -3862,7 +4388,135 @@
     </p:spTree>
     <p:extLst>
       <p:ext uri="{BB962C8B-B14F-4D97-AF65-F5344CB8AC3E}">
-        <p14:creationId xmlns:p14="http://schemas.microsoft.com/office/powerpoint/2010/main" val="2129268922"/>
+        <p14:creationId xmlns:p14="http://schemas.microsoft.com/office/powerpoint/2010/main" val="3563100753"/>
+      </p:ext>
+    </p:extLst>
+  </p:cSld>
+  <p:clrMapOvr>
+    <a:masterClrMapping/>
+  </p:clrMapOvr>
+</p:sld>
+</file>
+
+<file path=ppt/slides/slide13.xml><?xml version="1.0" encoding="utf-8"?>
+<p:sld xmlns:a="http://schemas.openxmlformats.org/drawingml/2006/main" xmlns:r="http://schemas.openxmlformats.org/officeDocument/2006/relationships" xmlns:p="http://schemas.openxmlformats.org/presentationml/2006/main">
+  <p:cSld>
+    <p:spTree>
+      <p:nvGrpSpPr>
+        <p:cNvPr id="1" name=""/>
+        <p:cNvGrpSpPr/>
+        <p:nvPr/>
+      </p:nvGrpSpPr>
+      <p:grpSpPr>
+        <a:xfrm>
+          <a:off x="0" y="0"/>
+          <a:ext cx="0" cy="0"/>
+          <a:chOff x="0" y="0"/>
+          <a:chExt cx="0" cy="0"/>
+        </a:xfrm>
+      </p:grpSpPr>
+      <p:sp>
+        <p:nvSpPr>
+          <p:cNvPr id="2" name="CasellaDiTesto 1">
+            <a:extLst>
+              <a:ext uri="{FF2B5EF4-FFF2-40B4-BE49-F238E27FC236}">
+                <a16:creationId xmlns:a16="http://schemas.microsoft.com/office/drawing/2014/main" id="{281F4427-79A9-44E4-ACDC-FAC5817A04C8}"/>
+              </a:ext>
+            </a:extLst>
+          </p:cNvPr>
+          <p:cNvSpPr txBox="1"/>
+          <p:nvPr/>
+        </p:nvSpPr>
+        <p:spPr>
+          <a:xfrm>
+            <a:off x="2189527" y="880844"/>
+            <a:ext cx="7211461" cy="646331"/>
+          </a:xfrm>
+          <a:prstGeom prst="rect">
+            <a:avLst/>
+          </a:prstGeom>
+          <a:noFill/>
+        </p:spPr>
+        <p:txBody>
+          <a:bodyPr wrap="none" rtlCol="0">
+            <a:spAutoFit/>
+          </a:bodyPr>
+          <a:lstStyle/>
+          <a:p>
+            <a:pPr marL="342900" indent="-342900">
+              <a:buAutoNum type="arabicParenR"/>
+            </a:pPr>
+            <a:r>
+              <a:rPr lang="en-GB" dirty="0"/>
+              <a:t>&lt;a </a:t>
+            </a:r>
+            <a:r>
+              <a:rPr lang="en-GB" dirty="0" err="1"/>
+              <a:t>href</a:t>
+            </a:r>
+            <a:r>
+              <a:rPr lang="en-GB" dirty="0"/>
+              <a:t>="https://storyset.com/data"&gt;Illustration by </a:t>
+            </a:r>
+            <a:r>
+              <a:rPr lang="en-GB" dirty="0" err="1"/>
+              <a:t>Freepik</a:t>
+            </a:r>
+            <a:r>
+              <a:rPr lang="en-GB" dirty="0"/>
+              <a:t> </a:t>
+            </a:r>
+            <a:r>
+              <a:rPr lang="en-GB" dirty="0" err="1"/>
+              <a:t>Storyset</a:t>
+            </a:r>
+            <a:r>
+              <a:rPr lang="en-GB" dirty="0"/>
+              <a:t>&lt;/a&gt;</a:t>
+            </a:r>
+          </a:p>
+          <a:p>
+            <a:pPr marL="342900" indent="-342900">
+              <a:buAutoNum type="arabicParenR"/>
+            </a:pPr>
+            <a:endParaRPr lang="en-GB" dirty="0"/>
+          </a:p>
+        </p:txBody>
+      </p:sp>
+    </p:spTree>
+    <p:extLst>
+      <p:ext uri="{BB962C8B-B14F-4D97-AF65-F5344CB8AC3E}">
+        <p14:creationId xmlns:p14="http://schemas.microsoft.com/office/powerpoint/2010/main" val="3757013388"/>
+      </p:ext>
+    </p:extLst>
+  </p:cSld>
+  <p:clrMapOvr>
+    <a:masterClrMapping/>
+  </p:clrMapOvr>
+</p:sld>
+</file>
+
+<file path=ppt/slides/slide2.xml><?xml version="1.0" encoding="utf-8"?>
+<p:sld xmlns:a="http://schemas.openxmlformats.org/drawingml/2006/main" xmlns:r="http://schemas.openxmlformats.org/officeDocument/2006/relationships" xmlns:p="http://schemas.openxmlformats.org/presentationml/2006/main">
+  <p:cSld>
+    <p:spTree>
+      <p:nvGrpSpPr>
+        <p:cNvPr id="1" name=""/>
+        <p:cNvGrpSpPr/>
+        <p:nvPr/>
+      </p:nvGrpSpPr>
+      <p:grpSpPr>
+        <a:xfrm>
+          <a:off x="0" y="0"/>
+          <a:ext cx="0" cy="0"/>
+          <a:chOff x="0" y="0"/>
+          <a:chExt cx="0" cy="0"/>
+        </a:xfrm>
+      </p:grpSpPr>
+    </p:spTree>
+    <p:extLst>
+      <p:ext uri="{BB962C8B-B14F-4D97-AF65-F5344CB8AC3E}">
+        <p14:creationId xmlns:p14="http://schemas.microsoft.com/office/powerpoint/2010/main" val="2619948693"/>
       </p:ext>
     </p:extLst>
   </p:cSld>
@@ -3899,19 +4553,136 @@
       </p:grpSpPr>
       <p:sp>
         <p:nvSpPr>
-          <p:cNvPr id="33" name="Flowchart: Document 28">
-            <a:extLst>
-              <a:ext uri="{FF2B5EF4-FFF2-40B4-BE49-F238E27FC236}">
-                <a16:creationId xmlns:a16="http://schemas.microsoft.com/office/drawing/2014/main" id="{D12DDE76-C203-4047-9998-63900085B5E8}"/>
+          <p:cNvPr id="6" name="CasellaDiTesto 5">
+            <a:extLst>
+              <a:ext uri="{FF2B5EF4-FFF2-40B4-BE49-F238E27FC236}">
+                <a16:creationId xmlns:a16="http://schemas.microsoft.com/office/drawing/2014/main" id="{D64AB1CA-ADC0-4B4B-A610-13A54E91C3CE}"/>
+              </a:ext>
+            </a:extLst>
+          </p:cNvPr>
+          <p:cNvSpPr txBox="1"/>
+          <p:nvPr/>
+        </p:nvSpPr>
+        <p:spPr>
+          <a:xfrm>
+            <a:off x="5080934" y="2312566"/>
+            <a:ext cx="6586489" cy="3785419"/>
+          </a:xfrm>
+          <a:prstGeom prst="rect">
+            <a:avLst/>
+          </a:prstGeom>
+        </p:spPr>
+        <p:txBody>
+          <a:bodyPr vert="horz" lIns="91440" tIns="45720" rIns="91440" bIns="45720" rtlCol="0">
+            <a:normAutofit/>
+          </a:bodyPr>
+          <a:lstStyle/>
+          <a:p>
+            <a:pPr marL="342900" indent="-342900">
+              <a:lnSpc>
+                <a:spcPct val="90000"/>
+              </a:lnSpc>
+              <a:spcAft>
+                <a:spcPts val="600"/>
+              </a:spcAft>
+              <a:buFont typeface="Arial" panose="020B0604020202020204" pitchFamily="34" charset="0"/>
+              <a:buChar char="•"/>
+            </a:pPr>
+            <a:r>
+              <a:rPr lang="en-US" sz="2000" dirty="0"/>
+              <a:t>I </a:t>
+            </a:r>
+            <a:r>
+              <a:rPr lang="en-US" sz="2000" dirty="0" err="1"/>
+              <a:t>dati</a:t>
+            </a:r>
+            <a:r>
+              <a:rPr lang="en-US" sz="2000" dirty="0"/>
+              <a:t> </a:t>
+            </a:r>
+            <a:r>
+              <a:rPr lang="en-US" sz="2000" dirty="0" err="1"/>
+              <a:t>un’importante</a:t>
+            </a:r>
+            <a:r>
+              <a:rPr lang="en-US" sz="2000" dirty="0"/>
+              <a:t> ed </a:t>
+            </a:r>
+            <a:r>
+              <a:rPr lang="en-US" sz="2000" dirty="0" err="1"/>
+              <a:t>essenziale</a:t>
+            </a:r>
+            <a:r>
+              <a:rPr lang="en-US" sz="2000" dirty="0"/>
+              <a:t> </a:t>
+            </a:r>
+            <a:r>
+              <a:rPr lang="en-US" sz="2000" dirty="0" err="1"/>
+              <a:t>risorsa</a:t>
+            </a:r>
+            <a:r>
+              <a:rPr lang="en-US" sz="2000" dirty="0"/>
+              <a:t> da </a:t>
+            </a:r>
+            <a:r>
+              <a:rPr lang="en-US" sz="2000" dirty="0" err="1"/>
+              <a:t>difendere</a:t>
+            </a:r>
+            <a:endParaRPr lang="en-US" sz="2000" dirty="0"/>
+          </a:p>
+        </p:txBody>
+      </p:sp>
+      <p:pic>
+        <p:nvPicPr>
+          <p:cNvPr id="8" name="Immagine 7" descr="Immagine che contiene testo&#10;&#10;Descrizione generata automaticamente">
+            <a:extLst>
+              <a:ext uri="{FF2B5EF4-FFF2-40B4-BE49-F238E27FC236}">
+                <a16:creationId xmlns:a16="http://schemas.microsoft.com/office/drawing/2014/main" id="{914DA73A-DBE6-42F9-A604-A7D57519A681}"/>
+              </a:ext>
+            </a:extLst>
+          </p:cNvPr>
+          <p:cNvPicPr>
+            <a:picLocks noChangeAspect="1"/>
+          </p:cNvPicPr>
+          <p:nvPr/>
+        </p:nvPicPr>
+        <p:blipFill rotWithShape="1">
+          <a:blip r:embed="rId2">
+            <a:extLst>
+              <a:ext uri="{28A0092B-C50C-407E-A947-70E740481C1C}">
+                <a14:useLocalDpi xmlns:a14="http://schemas.microsoft.com/office/drawing/2010/main" val="0"/>
+              </a:ext>
+            </a:extLst>
+          </a:blip>
+          <a:srcRect l="8044" r="24363"/>
+          <a:stretch/>
+        </p:blipFill>
+        <p:spPr>
+          <a:xfrm>
+            <a:off x="20" y="10"/>
+            <a:ext cx="4635571" cy="6857990"/>
+          </a:xfrm>
+          <a:prstGeom prst="rect">
+            <a:avLst/>
+          </a:prstGeom>
+          <a:effectLst/>
+        </p:spPr>
+      </p:pic>
+      <p:cxnSp>
+        <p:nvCxnSpPr>
+          <p:cNvPr id="13" name="Straight Connector 12">
+            <a:extLst>
+              <a:ext uri="{FF2B5EF4-FFF2-40B4-BE49-F238E27FC236}">
+                <a16:creationId xmlns:a16="http://schemas.microsoft.com/office/drawing/2014/main" id="{A7F400EE-A8A5-48AF-B4D6-291B52C6F0B0}"/>
               </a:ext>
               <a:ext uri="{C183D7F6-B498-43B3-948B-1728B52AA6E4}">
                 <adec:decorative xmlns:adec="http://schemas.microsoft.com/office/drawing/2017/decorative" val="1"/>
               </a:ext>
             </a:extLst>
           </p:cNvPr>
-          <p:cNvSpPr>
-            <a:spLocks noGrp="1" noRot="1" noChangeAspect="1" noMove="1" noResize="1" noEditPoints="1" noAdjustHandles="1" noChangeArrowheads="1" noChangeShapeType="1" noTextEdit="1"/>
-          </p:cNvSpPr>
+          <p:cNvCxnSpPr>
+            <a:cxnSpLocks noGrp="1" noRot="1" noChangeAspect="1" noMove="1" noResize="1" noEditPoints="1" noAdjustHandles="1" noChangeArrowheads="1" noChangeShapeType="1"/>
+          </p:cNvCxnSpPr>
           <p:nvPr>
             <p:extLst>
               <p:ext uri="{386F3935-93C4-4BCD-93E2-E3B085C9AB24}">
@@ -3919,17 +4690,674 @@
               </p:ext>
             </p:extLst>
           </p:nvPr>
-        </p:nvSpPr>
-        <p:spPr>
-          <a:xfrm>
-            <a:off x="638175" y="0"/>
-            <a:ext cx="3248025" cy="3400426"/>
-          </a:xfrm>
-          <a:prstGeom prst="flowChartDocument">
+        </p:nvCxnSpPr>
+        <p:spPr>
+          <a:xfrm>
+            <a:off x="5080934" y="2115117"/>
+            <a:ext cx="6309360" cy="0"/>
+          </a:xfrm>
+          <a:prstGeom prst="line">
+            <a:avLst/>
+          </a:prstGeom>
+          <a:ln w="19050">
+            <a:solidFill>
+              <a:srgbClr val="43E58D"/>
+            </a:solidFill>
+          </a:ln>
+        </p:spPr>
+        <p:style>
+          <a:lnRef idx="1">
+            <a:schemeClr val="accent1"/>
+          </a:lnRef>
+          <a:fillRef idx="0">
+            <a:schemeClr val="accent1"/>
+          </a:fillRef>
+          <a:effectRef idx="0">
+            <a:schemeClr val="accent1"/>
+          </a:effectRef>
+          <a:fontRef idx="minor">
+            <a:schemeClr val="tx1"/>
+          </a:fontRef>
+        </p:style>
+      </p:cxnSp>
+    </p:spTree>
+    <p:extLst>
+      <p:ext uri="{BB962C8B-B14F-4D97-AF65-F5344CB8AC3E}">
+        <p14:creationId xmlns:p14="http://schemas.microsoft.com/office/powerpoint/2010/main" val="2157581602"/>
+      </p:ext>
+    </p:extLst>
+  </p:cSld>
+  <p:clrMapOvr>
+    <a:masterClrMapping/>
+  </p:clrMapOvr>
+  <mc:AlternateContent xmlns:mc="http://schemas.openxmlformats.org/markup-compatibility/2006">
+    <mc:Choice xmlns:p14="http://schemas.microsoft.com/office/powerpoint/2010/main" Requires="p14">
+      <p:transition spd="med" p14:dur="700">
+        <p:fade/>
+      </p:transition>
+    </mc:Choice>
+    <mc:Fallback>
+      <p:transition spd="med">
+        <p:fade/>
+      </p:transition>
+    </mc:Fallback>
+  </mc:AlternateContent>
+</p:sld>
+</file>
+
+<file path=ppt/slides/slide4.xml><?xml version="1.0" encoding="utf-8"?>
+<p:sld xmlns:a="http://schemas.openxmlformats.org/drawingml/2006/main" xmlns:r="http://schemas.openxmlformats.org/officeDocument/2006/relationships" xmlns:p="http://schemas.openxmlformats.org/presentationml/2006/main">
+  <p:cSld>
+    <p:bg>
+      <p:bgPr>
+        <a:solidFill>
+          <a:schemeClr val="bg1"/>
+        </a:solidFill>
+        <a:effectLst/>
+      </p:bgPr>
+    </p:bg>
+    <p:spTree>
+      <p:nvGrpSpPr>
+        <p:cNvPr id="1" name=""/>
+        <p:cNvGrpSpPr/>
+        <p:nvPr/>
+      </p:nvGrpSpPr>
+      <p:grpSpPr>
+        <a:xfrm>
+          <a:off x="0" y="0"/>
+          <a:ext cx="0" cy="0"/>
+          <a:chOff x="0" y="0"/>
+          <a:chExt cx="0" cy="0"/>
+        </a:xfrm>
+      </p:grpSpPr>
+      <p:sp>
+        <p:nvSpPr>
+          <p:cNvPr id="6" name="CasellaDiTesto 5">
+            <a:extLst>
+              <a:ext uri="{FF2B5EF4-FFF2-40B4-BE49-F238E27FC236}">
+                <a16:creationId xmlns:a16="http://schemas.microsoft.com/office/drawing/2014/main" id="{D64AB1CA-ADC0-4B4B-A610-13A54E91C3CE}"/>
+              </a:ext>
+            </a:extLst>
+          </p:cNvPr>
+          <p:cNvSpPr txBox="1"/>
+          <p:nvPr/>
+        </p:nvSpPr>
+        <p:spPr>
+          <a:xfrm>
+            <a:off x="4965431" y="2438400"/>
+            <a:ext cx="6586489" cy="3785419"/>
+          </a:xfrm>
+          <a:prstGeom prst="rect">
+            <a:avLst/>
+          </a:prstGeom>
+        </p:spPr>
+        <p:txBody>
+          <a:bodyPr vert="horz" lIns="91440" tIns="45720" rIns="91440" bIns="45720" rtlCol="0">
+            <a:normAutofit/>
+          </a:bodyPr>
+          <a:lstStyle/>
+          <a:p>
+            <a:pPr indent="-228600">
+              <a:lnSpc>
+                <a:spcPct val="90000"/>
+              </a:lnSpc>
+              <a:spcAft>
+                <a:spcPts val="600"/>
+              </a:spcAft>
+              <a:buFont typeface="Arial" panose="020B0604020202020204" pitchFamily="34" charset="0"/>
+              <a:buChar char="•"/>
+            </a:pPr>
+            <a:endParaRPr lang="en-US" sz="2000" dirty="0"/>
+          </a:p>
+        </p:txBody>
+      </p:sp>
+      <p:cxnSp>
+        <p:nvCxnSpPr>
+          <p:cNvPr id="13" name="Straight Connector 12">
+            <a:extLst>
+              <a:ext uri="{FF2B5EF4-FFF2-40B4-BE49-F238E27FC236}">
+                <a16:creationId xmlns:a16="http://schemas.microsoft.com/office/drawing/2014/main" id="{A7F400EE-A8A5-48AF-B4D6-291B52C6F0B0}"/>
+              </a:ext>
+              <a:ext uri="{C183D7F6-B498-43B3-948B-1728B52AA6E4}">
+                <adec:decorative xmlns:adec="http://schemas.microsoft.com/office/drawing/2017/decorative" val="1"/>
+              </a:ext>
+            </a:extLst>
+          </p:cNvPr>
+          <p:cNvCxnSpPr>
+            <a:cxnSpLocks noGrp="1" noRot="1" noChangeAspect="1" noMove="1" noResize="1" noEditPoints="1" noAdjustHandles="1" noChangeArrowheads="1" noChangeShapeType="1"/>
+          </p:cNvCxnSpPr>
+          <p:nvPr>
+            <p:extLst>
+              <p:ext uri="{386F3935-93C4-4BCD-93E2-E3B085C9AB24}">
+                <p16:designElem xmlns:p16="http://schemas.microsoft.com/office/powerpoint/2015/main" val="1"/>
+              </p:ext>
+            </p:extLst>
+          </p:nvPr>
+        </p:nvCxnSpPr>
+        <p:spPr>
+          <a:xfrm>
+            <a:off x="5080934" y="2115117"/>
+            <a:ext cx="6309360" cy="0"/>
+          </a:xfrm>
+          <a:prstGeom prst="line">
+            <a:avLst/>
+          </a:prstGeom>
+          <a:ln w="19050">
+            <a:solidFill>
+              <a:srgbClr val="43E58D"/>
+            </a:solidFill>
+          </a:ln>
+        </p:spPr>
+        <p:style>
+          <a:lnRef idx="1">
+            <a:schemeClr val="accent1"/>
+          </a:lnRef>
+          <a:fillRef idx="0">
+            <a:schemeClr val="accent1"/>
+          </a:fillRef>
+          <a:effectRef idx="0">
+            <a:schemeClr val="accent1"/>
+          </a:effectRef>
+          <a:fontRef idx="minor">
+            <a:schemeClr val="tx1"/>
+          </a:fontRef>
+        </p:style>
+      </p:cxnSp>
+      <p:pic>
+        <p:nvPicPr>
+          <p:cNvPr id="5" name="Immagine 4">
+            <a:extLst>
+              <a:ext uri="{FF2B5EF4-FFF2-40B4-BE49-F238E27FC236}">
+                <a16:creationId xmlns:a16="http://schemas.microsoft.com/office/drawing/2014/main" id="{51637D33-A958-4488-B3E7-D02D0005BD59}"/>
+              </a:ext>
+            </a:extLst>
+          </p:cNvPr>
+          <p:cNvPicPr>
+            <a:picLocks noChangeAspect="1"/>
+          </p:cNvPicPr>
+          <p:nvPr/>
+        </p:nvPicPr>
+        <p:blipFill rotWithShape="1">
+          <a:blip r:embed="rId2">
+            <a:extLst>
+              <a:ext uri="{28A0092B-C50C-407E-A947-70E740481C1C}">
+                <a14:useLocalDpi xmlns:a14="http://schemas.microsoft.com/office/drawing/2010/main" val="0"/>
+              </a:ext>
+            </a:extLst>
+          </a:blip>
+          <a:srcRect l="28239" r="26849"/>
+          <a:stretch/>
+        </p:blipFill>
+        <p:spPr>
+          <a:xfrm>
+            <a:off x="363244" y="451988"/>
+            <a:ext cx="4421887" cy="5538202"/>
+          </a:xfrm>
+          <a:prstGeom prst="rect">
+            <a:avLst/>
+          </a:prstGeom>
+        </p:spPr>
+      </p:pic>
+      <p:sp>
+        <p:nvSpPr>
+          <p:cNvPr id="2" name="CasellaDiTesto 1">
+            <a:extLst>
+              <a:ext uri="{FF2B5EF4-FFF2-40B4-BE49-F238E27FC236}">
+                <a16:creationId xmlns:a16="http://schemas.microsoft.com/office/drawing/2014/main" id="{E4DC2BA6-EF22-490B-8F3E-2E0E814D8739}"/>
+              </a:ext>
+            </a:extLst>
+          </p:cNvPr>
+          <p:cNvSpPr txBox="1"/>
+          <p:nvPr/>
+        </p:nvSpPr>
+        <p:spPr>
+          <a:xfrm>
+            <a:off x="5616894" y="2438400"/>
+            <a:ext cx="5519203" cy="1053494"/>
+          </a:xfrm>
+          <a:prstGeom prst="rect">
+            <a:avLst/>
+          </a:prstGeom>
+          <a:noFill/>
+        </p:spPr>
+        <p:txBody>
+          <a:bodyPr wrap="none" rtlCol="0">
+            <a:spAutoFit/>
+          </a:bodyPr>
+          <a:lstStyle/>
+          <a:p>
+            <a:pPr marL="285750" indent="-285750">
+              <a:buFont typeface="Arial" panose="020B0604020202020204" pitchFamily="34" charset="0"/>
+              <a:buChar char="•"/>
+            </a:pPr>
+            <a:r>
+              <a:rPr lang="it-IT" dirty="0"/>
+              <a:t>Il sistema operativo più diffuso per i dispositivi mobile</a:t>
+            </a:r>
+          </a:p>
+          <a:p>
+            <a:pPr marL="285750" indent="-285750">
+              <a:lnSpc>
+                <a:spcPct val="300000"/>
+              </a:lnSpc>
+              <a:buFont typeface="Arial" panose="020B0604020202020204" pitchFamily="34" charset="0"/>
+              <a:buChar char="•"/>
+            </a:pPr>
+            <a:r>
+              <a:rPr lang="it-IT" dirty="0"/>
+              <a:t>Open source</a:t>
+            </a:r>
+          </a:p>
+        </p:txBody>
+      </p:sp>
+    </p:spTree>
+    <p:extLst>
+      <p:ext uri="{BB962C8B-B14F-4D97-AF65-F5344CB8AC3E}">
+        <p14:creationId xmlns:p14="http://schemas.microsoft.com/office/powerpoint/2010/main" val="4113713039"/>
+      </p:ext>
+    </p:extLst>
+  </p:cSld>
+  <p:clrMapOvr>
+    <a:masterClrMapping/>
+  </p:clrMapOvr>
+  <mc:AlternateContent xmlns:mc="http://schemas.openxmlformats.org/markup-compatibility/2006">
+    <mc:Choice xmlns:p14="http://schemas.microsoft.com/office/powerpoint/2010/main" Requires="p14">
+      <p:transition spd="med" p14:dur="700">
+        <p:fade/>
+      </p:transition>
+    </mc:Choice>
+    <mc:Fallback>
+      <p:transition spd="med">
+        <p:fade/>
+      </p:transition>
+    </mc:Fallback>
+  </mc:AlternateContent>
+</p:sld>
+</file>
+
+<file path=ppt/slides/slide5.xml><?xml version="1.0" encoding="utf-8"?>
+<p:sld xmlns:a="http://schemas.openxmlformats.org/drawingml/2006/main" xmlns:r="http://schemas.openxmlformats.org/officeDocument/2006/relationships" xmlns:p="http://schemas.openxmlformats.org/presentationml/2006/main">
+  <p:cSld>
+    <p:bg>
+      <p:bgPr>
+        <a:solidFill>
+          <a:schemeClr val="bg1"/>
+        </a:solidFill>
+        <a:effectLst/>
+      </p:bgPr>
+    </p:bg>
+    <p:spTree>
+      <p:nvGrpSpPr>
+        <p:cNvPr id="1" name=""/>
+        <p:cNvGrpSpPr/>
+        <p:nvPr/>
+      </p:nvGrpSpPr>
+      <p:grpSpPr>
+        <a:xfrm>
+          <a:off x="0" y="0"/>
+          <a:ext cx="0" cy="0"/>
+          <a:chOff x="0" y="0"/>
+          <a:chExt cx="0" cy="0"/>
+        </a:xfrm>
+      </p:grpSpPr>
+      <p:pic>
+        <p:nvPicPr>
+          <p:cNvPr id="5" name="Immagine 4">
+            <a:extLst>
+              <a:ext uri="{FF2B5EF4-FFF2-40B4-BE49-F238E27FC236}">
+                <a16:creationId xmlns:a16="http://schemas.microsoft.com/office/drawing/2014/main" id="{8E3486BF-C4A4-46CD-A01A-A9CBC0CE41D9}"/>
+              </a:ext>
+            </a:extLst>
+          </p:cNvPr>
+          <p:cNvPicPr>
+            <a:picLocks noChangeAspect="1"/>
+          </p:cNvPicPr>
+          <p:nvPr/>
+        </p:nvPicPr>
+        <p:blipFill>
+          <a:blip r:embed="rId2">
+            <a:extLst>
+              <a:ext uri="{28A0092B-C50C-407E-A947-70E740481C1C}">
+                <a14:useLocalDpi xmlns:a14="http://schemas.microsoft.com/office/drawing/2010/main" val="0"/>
+              </a:ext>
+            </a:extLst>
+          </a:blip>
+          <a:stretch>
+            <a:fillRect/>
+          </a:stretch>
+        </p:blipFill>
+        <p:spPr>
+          <a:xfrm>
+            <a:off x="6850785" y="2264054"/>
+            <a:ext cx="4742993" cy="2329891"/>
+          </a:xfrm>
+          <a:prstGeom prst="rect">
+            <a:avLst/>
+          </a:prstGeom>
+        </p:spPr>
+      </p:pic>
+      <p:cxnSp>
+        <p:nvCxnSpPr>
+          <p:cNvPr id="15" name="Straight Connector 14">
+            <a:extLst>
+              <a:ext uri="{FF2B5EF4-FFF2-40B4-BE49-F238E27FC236}">
+                <a16:creationId xmlns:a16="http://schemas.microsoft.com/office/drawing/2014/main" id="{4D56677B-C0B7-4DAC-ACAD-8054FF1B599A}"/>
+              </a:ext>
+              <a:ext uri="{C183D7F6-B498-43B3-948B-1728B52AA6E4}">
+                <adec:decorative xmlns:adec="http://schemas.microsoft.com/office/drawing/2017/decorative" val="1"/>
+              </a:ext>
+            </a:extLst>
+          </p:cNvPr>
+          <p:cNvCxnSpPr>
+            <a:cxnSpLocks noGrp="1" noRot="1" noChangeAspect="1" noMove="1" noResize="1" noEditPoints="1" noAdjustHandles="1" noChangeArrowheads="1" noChangeShapeType="1"/>
+          </p:cNvCxnSpPr>
+          <p:nvPr>
+            <p:extLst>
+              <p:ext uri="{386F3935-93C4-4BCD-93E2-E3B085C9AB24}">
+                <p16:designElem xmlns:p16="http://schemas.microsoft.com/office/powerpoint/2015/main" val="1"/>
+              </p:ext>
+            </p:extLst>
+          </p:nvPr>
+        </p:nvCxnSpPr>
+        <p:spPr>
+          <a:xfrm>
+            <a:off x="6096000" y="1573887"/>
+            <a:ext cx="0" cy="3710227"/>
+          </a:xfrm>
+          <a:prstGeom prst="line">
+            <a:avLst/>
+          </a:prstGeom>
+          <a:ln w="19050">
+            <a:solidFill>
+              <a:srgbClr val="8FC728"/>
+            </a:solidFill>
+          </a:ln>
+        </p:spPr>
+        <p:style>
+          <a:lnRef idx="1">
+            <a:schemeClr val="accent1"/>
+          </a:lnRef>
+          <a:fillRef idx="0">
+            <a:schemeClr val="accent1"/>
+          </a:fillRef>
+          <a:effectRef idx="0">
+            <a:schemeClr val="accent1"/>
+          </a:effectRef>
+          <a:fontRef idx="minor">
+            <a:schemeClr val="tx1"/>
+          </a:fontRef>
+        </p:style>
+      </p:cxnSp>
+      <p:pic>
+        <p:nvPicPr>
+          <p:cNvPr id="3" name="Immagine 2">
+            <a:extLst>
+              <a:ext uri="{FF2B5EF4-FFF2-40B4-BE49-F238E27FC236}">
+                <a16:creationId xmlns:a16="http://schemas.microsoft.com/office/drawing/2014/main" id="{0D5520FB-CFC9-4C9C-8FBD-C4CC4D6622D7}"/>
+              </a:ext>
+            </a:extLst>
+          </p:cNvPr>
+          <p:cNvPicPr>
+            <a:picLocks noChangeAspect="1"/>
+          </p:cNvPicPr>
+          <p:nvPr/>
+        </p:nvPicPr>
+        <p:blipFill>
+          <a:blip r:embed="rId3">
+            <a:extLst>
+              <a:ext uri="{28A0092B-C50C-407E-A947-70E740481C1C}">
+                <a14:useLocalDpi xmlns:a14="http://schemas.microsoft.com/office/drawing/2010/main" val="0"/>
+              </a:ext>
+            </a:extLst>
+          </a:blip>
+          <a:stretch>
+            <a:fillRect/>
+          </a:stretch>
+        </p:blipFill>
+        <p:spPr>
+          <a:xfrm>
+            <a:off x="613201" y="2093335"/>
+            <a:ext cx="4728015" cy="2671328"/>
+          </a:xfrm>
+          <a:prstGeom prst="rect">
+            <a:avLst/>
+          </a:prstGeom>
+        </p:spPr>
+      </p:pic>
+      <p:sp>
+        <p:nvSpPr>
+          <p:cNvPr id="4" name="CasellaDiTesto 3">
+            <a:extLst>
+              <a:ext uri="{FF2B5EF4-FFF2-40B4-BE49-F238E27FC236}">
+                <a16:creationId xmlns:a16="http://schemas.microsoft.com/office/drawing/2014/main" id="{B325BA9F-F82C-4C46-A267-0ACA6C852373}"/>
+              </a:ext>
+            </a:extLst>
+          </p:cNvPr>
+          <p:cNvSpPr txBox="1"/>
+          <p:nvPr/>
+        </p:nvSpPr>
+        <p:spPr>
+          <a:xfrm>
+            <a:off x="8259211" y="4613850"/>
+            <a:ext cx="3334567" cy="477054"/>
+          </a:xfrm>
+          <a:prstGeom prst="rect">
+            <a:avLst/>
+          </a:prstGeom>
+          <a:noFill/>
+        </p:spPr>
+        <p:txBody>
+          <a:bodyPr wrap="none" rtlCol="0">
+            <a:spAutoFit/>
+          </a:bodyPr>
+          <a:lstStyle/>
+          <a:p>
+            <a:r>
+              <a:rPr lang="en-GB" sz="700" dirty="0"/>
+              <a:t>https://www.avira.com/en/blog/malware-threat-report-q2-2020-statistics-and-trends</a:t>
+            </a:r>
+          </a:p>
+          <a:p>
+            <a:endParaRPr lang="en-GB" dirty="0"/>
+          </a:p>
+        </p:txBody>
+      </p:sp>
+      <p:sp>
+        <p:nvSpPr>
+          <p:cNvPr id="6" name="CasellaDiTesto 5">
+            <a:extLst>
+              <a:ext uri="{FF2B5EF4-FFF2-40B4-BE49-F238E27FC236}">
+                <a16:creationId xmlns:a16="http://schemas.microsoft.com/office/drawing/2014/main" id="{827BF4AB-E38B-438E-8F5D-C6DDCBF47A8A}"/>
+              </a:ext>
+            </a:extLst>
+          </p:cNvPr>
+          <p:cNvSpPr txBox="1"/>
+          <p:nvPr/>
+        </p:nvSpPr>
+        <p:spPr>
+          <a:xfrm>
+            <a:off x="1017596" y="4834649"/>
+            <a:ext cx="4323620" cy="200055"/>
+          </a:xfrm>
+          <a:prstGeom prst="rect">
+            <a:avLst/>
+          </a:prstGeom>
+          <a:noFill/>
+        </p:spPr>
+        <p:txBody>
+          <a:bodyPr wrap="none" rtlCol="0">
+            <a:spAutoFit/>
+          </a:bodyPr>
+          <a:lstStyle/>
+          <a:p>
+            <a:r>
+              <a:rPr lang="en-GB" sz="700" dirty="0"/>
+              <a:t>https://www.gdatasoftware.com/news/2019/07/35228-mobile-malware-report-no-let-up-with-android-malware</a:t>
+            </a:r>
+          </a:p>
+        </p:txBody>
+      </p:sp>
+    </p:spTree>
+    <p:extLst>
+      <p:ext uri="{BB962C8B-B14F-4D97-AF65-F5344CB8AC3E}">
+        <p14:creationId xmlns:p14="http://schemas.microsoft.com/office/powerpoint/2010/main" val="1647815538"/>
+      </p:ext>
+    </p:extLst>
+  </p:cSld>
+  <p:clrMapOvr>
+    <a:masterClrMapping/>
+  </p:clrMapOvr>
+  <mc:AlternateContent xmlns:mc="http://schemas.openxmlformats.org/markup-compatibility/2006">
+    <mc:Choice xmlns:p14="http://schemas.microsoft.com/office/powerpoint/2010/main" Requires="p14">
+      <p:transition spd="med" p14:dur="700">
+        <p:fade/>
+      </p:transition>
+    </mc:Choice>
+    <mc:Fallback>
+      <p:transition spd="med">
+        <p:fade/>
+      </p:transition>
+    </mc:Fallback>
+  </mc:AlternateContent>
+</p:sld>
+</file>
+
+<file path=ppt/slides/slide6.xml><?xml version="1.0" encoding="utf-8"?>
+<p:sld xmlns:a="http://schemas.openxmlformats.org/drawingml/2006/main" xmlns:r="http://schemas.openxmlformats.org/officeDocument/2006/relationships" xmlns:p="http://schemas.openxmlformats.org/presentationml/2006/main">
+  <p:cSld>
+    <p:spTree>
+      <p:nvGrpSpPr>
+        <p:cNvPr id="1" name=""/>
+        <p:cNvGrpSpPr/>
+        <p:nvPr/>
+      </p:nvGrpSpPr>
+      <p:grpSpPr>
+        <a:xfrm>
+          <a:off x="0" y="0"/>
+          <a:ext cx="0" cy="0"/>
+          <a:chOff x="0" y="0"/>
+          <a:chExt cx="0" cy="0"/>
+        </a:xfrm>
+      </p:grpSpPr>
+      <p:sp>
+        <p:nvSpPr>
+          <p:cNvPr id="2" name="CasellaDiTesto 1">
+            <a:extLst>
+              <a:ext uri="{FF2B5EF4-FFF2-40B4-BE49-F238E27FC236}">
+                <a16:creationId xmlns:a16="http://schemas.microsoft.com/office/drawing/2014/main" id="{4243BD69-BF0D-4655-B2DA-0DF03998C9EA}"/>
+              </a:ext>
+            </a:extLst>
+          </p:cNvPr>
+          <p:cNvSpPr txBox="1"/>
+          <p:nvPr/>
+        </p:nvSpPr>
+        <p:spPr>
+          <a:xfrm>
+            <a:off x="5796793" y="604007"/>
+            <a:ext cx="2733377" cy="369332"/>
+          </a:xfrm>
+          <a:prstGeom prst="rect">
+            <a:avLst/>
+          </a:prstGeom>
+          <a:noFill/>
+        </p:spPr>
+        <p:txBody>
+          <a:bodyPr wrap="none" rtlCol="0">
+            <a:spAutoFit/>
+          </a:bodyPr>
+          <a:lstStyle/>
+          <a:p>
+            <a:r>
+              <a:rPr lang="it-IT" dirty="0" err="1"/>
+              <a:t>Colluding</a:t>
+            </a:r>
+            <a:r>
+              <a:rPr lang="it-IT" dirty="0"/>
+              <a:t> working </a:t>
+            </a:r>
+            <a:r>
+              <a:rPr lang="it-IT" dirty="0" err="1"/>
+              <a:t>togheter</a:t>
+            </a:r>
+            <a:endParaRPr lang="en-GB" dirty="0"/>
+          </a:p>
+        </p:txBody>
+      </p:sp>
+    </p:spTree>
+    <p:extLst>
+      <p:ext uri="{BB962C8B-B14F-4D97-AF65-F5344CB8AC3E}">
+        <p14:creationId xmlns:p14="http://schemas.microsoft.com/office/powerpoint/2010/main" val="1794413676"/>
+      </p:ext>
+    </p:extLst>
+  </p:cSld>
+  <p:clrMapOvr>
+    <a:masterClrMapping/>
+  </p:clrMapOvr>
+</p:sld>
+</file>
+
+<file path=ppt/slides/slide7.xml><?xml version="1.0" encoding="utf-8"?>
+<p:sld xmlns:a="http://schemas.openxmlformats.org/drawingml/2006/main" xmlns:r="http://schemas.openxmlformats.org/officeDocument/2006/relationships" xmlns:p="http://schemas.openxmlformats.org/presentationml/2006/main">
+  <p:cSld>
+    <p:bg>
+      <p:bgPr>
+        <a:solidFill>
+          <a:schemeClr val="bg1"/>
+        </a:solidFill>
+        <a:effectLst/>
+      </p:bgPr>
+    </p:bg>
+    <p:spTree>
+      <p:nvGrpSpPr>
+        <p:cNvPr id="1" name=""/>
+        <p:cNvGrpSpPr/>
+        <p:nvPr/>
+      </p:nvGrpSpPr>
+      <p:grpSpPr>
+        <a:xfrm>
+          <a:off x="0" y="0"/>
+          <a:ext cx="0" cy="0"/>
+          <a:chOff x="0" y="0"/>
+          <a:chExt cx="0" cy="0"/>
+        </a:xfrm>
+      </p:grpSpPr>
+      <p:sp>
+        <p:nvSpPr>
+          <p:cNvPr id="15" name="Rectangle 14">
+            <a:extLst>
+              <a:ext uri="{FF2B5EF4-FFF2-40B4-BE49-F238E27FC236}">
+                <a16:creationId xmlns:a16="http://schemas.microsoft.com/office/drawing/2014/main" id="{A9F529C3-C941-49FD-8C67-82F134F64BDB}"/>
+              </a:ext>
+              <a:ext uri="{C183D7F6-B498-43B3-948B-1728B52AA6E4}">
+                <adec:decorative xmlns:adec="http://schemas.microsoft.com/office/drawing/2017/decorative" val="1"/>
+              </a:ext>
+            </a:extLst>
+          </p:cNvPr>
+          <p:cNvSpPr>
+            <a:spLocks noGrp="1" noRot="1" noChangeAspect="1" noMove="1" noResize="1" noEditPoints="1" noAdjustHandles="1" noChangeArrowheads="1" noChangeShapeType="1" noTextEdit="1"/>
+          </p:cNvSpPr>
+          <p:nvPr>
+            <p:extLst>
+              <p:ext uri="{386F3935-93C4-4BCD-93E2-E3B085C9AB24}">
+                <p16:designElem xmlns:p16="http://schemas.microsoft.com/office/powerpoint/2015/main" val="1"/>
+              </p:ext>
+            </p:extLst>
+          </p:nvPr>
+        </p:nvSpPr>
+        <p:spPr>
+          <a:xfrm>
+            <a:off x="0" y="0"/>
+            <a:ext cx="12192000" cy="6858000"/>
+          </a:xfrm>
+          <a:prstGeom prst="rect">
             <a:avLst/>
           </a:prstGeom>
           <a:solidFill>
-            <a:schemeClr val="accent1"/>
+            <a:schemeClr val="tx1">
+              <a:lumMod val="50000"/>
+              <a:lumOff val="50000"/>
+              <a:alpha val="30000"/>
+            </a:schemeClr>
           </a:solidFill>
           <a:ln>
             <a:noFill/>
@@ -3962,62 +5390,80 @@
       </p:sp>
       <p:sp>
         <p:nvSpPr>
-          <p:cNvPr id="8" name="CasellaDiTesto 7">
-            <a:extLst>
-              <a:ext uri="{FF2B5EF4-FFF2-40B4-BE49-F238E27FC236}">
-                <a16:creationId xmlns:a16="http://schemas.microsoft.com/office/drawing/2014/main" id="{8909A644-35DD-47E8-A1E3-FDD0B8A28086}"/>
-              </a:ext>
-            </a:extLst>
-          </p:cNvPr>
-          <p:cNvSpPr txBox="1"/>
-          <p:nvPr/>
-        </p:nvSpPr>
-        <p:spPr>
-          <a:xfrm>
-            <a:off x="838200" y="171162"/>
-            <a:ext cx="2840182" cy="2371148"/>
+          <p:cNvPr id="17" name="Rectangle 16">
+            <a:extLst>
+              <a:ext uri="{FF2B5EF4-FFF2-40B4-BE49-F238E27FC236}">
+                <a16:creationId xmlns:a16="http://schemas.microsoft.com/office/drawing/2014/main" id="{20586029-32A0-47E5-9AEC-AE3ABA6B94D0}"/>
+              </a:ext>
+              <a:ext uri="{C183D7F6-B498-43B3-948B-1728B52AA6E4}">
+                <adec:decorative xmlns:adec="http://schemas.microsoft.com/office/drawing/2017/decorative" val="1"/>
+              </a:ext>
+            </a:extLst>
+          </p:cNvPr>
+          <p:cNvSpPr>
+            <a:spLocks noGrp="1" noRot="1" noChangeAspect="1" noMove="1" noResize="1" noEditPoints="1" noAdjustHandles="1" noChangeArrowheads="1" noChangeShapeType="1" noTextEdit="1"/>
+          </p:cNvSpPr>
+          <p:nvPr>
+            <p:extLst>
+              <p:ext uri="{386F3935-93C4-4BCD-93E2-E3B085C9AB24}">
+                <p16:designElem xmlns:p16="http://schemas.microsoft.com/office/powerpoint/2015/main" val="1"/>
+              </p:ext>
+            </p:extLst>
+          </p:nvPr>
+        </p:nvSpPr>
+        <p:spPr>
+          <a:xfrm>
+            <a:off x="477012" y="480060"/>
+            <a:ext cx="11237976" cy="5897880"/>
           </a:xfrm>
           <a:prstGeom prst="rect">
             <a:avLst/>
           </a:prstGeom>
-        </p:spPr>
-        <p:txBody>
-          <a:bodyPr vert="horz" lIns="91440" tIns="45720" rIns="91440" bIns="45720" rtlCol="0" anchor="ctr">
-            <a:normAutofit/>
-          </a:bodyPr>
-          <a:lstStyle/>
-          <a:p>
-            <a:pPr>
-              <a:lnSpc>
-                <a:spcPct val="90000"/>
-              </a:lnSpc>
-              <a:spcBef>
-                <a:spcPct val="0"/>
-              </a:spcBef>
-              <a:spcAft>
-                <a:spcPts val="600"/>
-              </a:spcAft>
-            </a:pPr>
-            <a:r>
-              <a:rPr lang="en-US" sz="4400" kern="1200" dirty="0">
-                <a:solidFill>
-                  <a:srgbClr val="FFFFFF"/>
-                </a:solidFill>
-                <a:latin typeface="+mj-lt"/>
-                <a:ea typeface="+mj-ea"/>
-                <a:cs typeface="+mj-cs"/>
-              </a:rPr>
-              <a:t>Grazie per l’attenzione</a:t>
-            </a:r>
+          <a:solidFill>
+            <a:srgbClr val="FFFFFF"/>
+          </a:solidFill>
+          <a:ln w="9525">
+            <a:noFill/>
+          </a:ln>
+          <a:effectLst>
+            <a:outerShdw blurRad="63500" dist="17780" dir="5400000" algn="t" rotWithShape="0">
+              <a:prstClr val="black">
+                <a:alpha val="43000"/>
+              </a:prstClr>
+            </a:outerShdw>
+          </a:effectLst>
+        </p:spPr>
+        <p:style>
+          <a:lnRef idx="2">
+            <a:schemeClr val="accent1">
+              <a:shade val="50000"/>
+            </a:schemeClr>
+          </a:lnRef>
+          <a:fillRef idx="1">
+            <a:schemeClr val="accent1"/>
+          </a:fillRef>
+          <a:effectRef idx="0">
+            <a:schemeClr val="accent1"/>
+          </a:effectRef>
+          <a:fontRef idx="minor">
+            <a:schemeClr val="lt1"/>
+          </a:fontRef>
+        </p:style>
+        <p:txBody>
+          <a:bodyPr rtlCol="0" anchor="ctr"/>
+          <a:lstStyle/>
+          <a:p>
+            <a:pPr algn="ctr"/>
+            <a:endParaRPr lang="en-US"/>
           </a:p>
         </p:txBody>
       </p:sp>
       <p:pic>
         <p:nvPicPr>
-          <p:cNvPr id="7" name="Immagine 6">
-            <a:extLst>
-              <a:ext uri="{FF2B5EF4-FFF2-40B4-BE49-F238E27FC236}">
-                <a16:creationId xmlns:a16="http://schemas.microsoft.com/office/drawing/2014/main" id="{A66059AA-16A7-427B-8AE5-9BA9AE2D1C52}"/>
+          <p:cNvPr id="3" name="Immagine 2">
+            <a:extLst>
+              <a:ext uri="{FF2B5EF4-FFF2-40B4-BE49-F238E27FC236}">
+                <a16:creationId xmlns:a16="http://schemas.microsoft.com/office/drawing/2014/main" id="{78AAC4E5-D429-4623-8381-79C69F22858F}"/>
               </a:ext>
             </a:extLst>
           </p:cNvPr>
@@ -4026,7 +5472,7 @@
           </p:cNvPicPr>
           <p:nvPr/>
         </p:nvPicPr>
-        <p:blipFill>
+        <p:blipFill rotWithShape="1">
           <a:blip r:embed="rId2">
             <a:extLst>
               <a:ext uri="{28A0092B-C50C-407E-A947-70E740481C1C}">
@@ -4034,14 +5480,100 @@
               </a:ext>
             </a:extLst>
           </a:blip>
-          <a:stretch>
-            <a:fillRect/>
-          </a:stretch>
+          <a:srcRect l="8952"/>
+          <a:stretch/>
         </p:blipFill>
         <p:spPr>
           <a:xfrm>
-            <a:off x="4656952" y="640080"/>
-            <a:ext cx="6449498" cy="5578816"/>
+            <a:off x="6487095" y="1933243"/>
+            <a:ext cx="4820757" cy="2991513"/>
+          </a:xfrm>
+          <a:prstGeom prst="rect">
+            <a:avLst/>
+          </a:prstGeom>
+        </p:spPr>
+      </p:pic>
+      <p:cxnSp>
+        <p:nvCxnSpPr>
+          <p:cNvPr id="19" name="Straight Connector 18">
+            <a:extLst>
+              <a:ext uri="{FF2B5EF4-FFF2-40B4-BE49-F238E27FC236}">
+                <a16:creationId xmlns:a16="http://schemas.microsoft.com/office/drawing/2014/main" id="{8C730EAB-A532-4295-A302-FB4B90DB9F5E}"/>
+              </a:ext>
+              <a:ext uri="{C183D7F6-B498-43B3-948B-1728B52AA6E4}">
+                <adec:decorative xmlns:adec="http://schemas.microsoft.com/office/drawing/2017/decorative" val="1"/>
+              </a:ext>
+            </a:extLst>
+          </p:cNvPr>
+          <p:cNvCxnSpPr>
+            <a:cxnSpLocks noGrp="1" noRot="1" noChangeAspect="1" noMove="1" noResize="1" noEditPoints="1" noAdjustHandles="1" noChangeArrowheads="1" noChangeShapeType="1"/>
+          </p:cNvCxnSpPr>
+          <p:nvPr>
+            <p:extLst>
+              <p:ext uri="{386F3935-93C4-4BCD-93E2-E3B085C9AB24}">
+                <p16:designElem xmlns:p16="http://schemas.microsoft.com/office/powerpoint/2015/main" val="1"/>
+              </p:ext>
+            </p:extLst>
+          </p:nvPr>
+        </p:nvCxnSpPr>
+        <p:spPr>
+          <a:xfrm>
+            <a:off x="6079958" y="1143000"/>
+            <a:ext cx="0" cy="4572000"/>
+          </a:xfrm>
+          <a:prstGeom prst="line">
+            <a:avLst/>
+          </a:prstGeom>
+          <a:ln>
+            <a:solidFill>
+              <a:srgbClr val="4E4E4E"/>
+            </a:solidFill>
+          </a:ln>
+        </p:spPr>
+        <p:style>
+          <a:lnRef idx="1">
+            <a:schemeClr val="accent1"/>
+          </a:lnRef>
+          <a:fillRef idx="0">
+            <a:schemeClr val="accent1"/>
+          </a:fillRef>
+          <a:effectRef idx="0">
+            <a:schemeClr val="accent1"/>
+          </a:effectRef>
+          <a:fontRef idx="minor">
+            <a:schemeClr val="tx1"/>
+          </a:fontRef>
+        </p:style>
+      </p:cxnSp>
+      <p:pic>
+        <p:nvPicPr>
+          <p:cNvPr id="5" name="Immagine 4">
+            <a:extLst>
+              <a:ext uri="{FF2B5EF4-FFF2-40B4-BE49-F238E27FC236}">
+                <a16:creationId xmlns:a16="http://schemas.microsoft.com/office/drawing/2014/main" id="{3E3E1023-A4C5-4E84-9BDD-0F89F328A08D}"/>
+              </a:ext>
+            </a:extLst>
+          </p:cNvPr>
+          <p:cNvPicPr>
+            <a:picLocks noChangeAspect="1"/>
+          </p:cNvPicPr>
+          <p:nvPr/>
+        </p:nvPicPr>
+        <p:blipFill rotWithShape="1">
+          <a:blip r:embed="rId3">
+            <a:extLst>
+              <a:ext uri="{28A0092B-C50C-407E-A947-70E740481C1C}">
+                <a14:useLocalDpi xmlns:a14="http://schemas.microsoft.com/office/drawing/2010/main" val="0"/>
+              </a:ext>
+            </a:extLst>
+          </a:blip>
+          <a:srcRect l="8839"/>
+          <a:stretch/>
+        </p:blipFill>
+        <p:spPr>
+          <a:xfrm>
+            <a:off x="865128" y="1933243"/>
+            <a:ext cx="4826714" cy="2991513"/>
           </a:xfrm>
           <a:prstGeom prst="rect">
             <a:avLst/>
@@ -4051,7 +5583,7 @@
     </p:spTree>
     <p:extLst>
       <p:ext uri="{BB962C8B-B14F-4D97-AF65-F5344CB8AC3E}">
-        <p14:creationId xmlns:p14="http://schemas.microsoft.com/office/powerpoint/2010/main" val="3563100753"/>
+        <p14:creationId xmlns:p14="http://schemas.microsoft.com/office/powerpoint/2010/main" val="3680764537"/>
       </p:ext>
     </p:extLst>
   </p:cSld>
@@ -4061,9 +5593,17 @@
 </p:sld>
 </file>
 
-<file path=ppt/slides/slide4.xml><?xml version="1.0" encoding="utf-8"?>
+<file path=ppt/slides/slide8.xml><?xml version="1.0" encoding="utf-8"?>
 <p:sld xmlns:a="http://schemas.openxmlformats.org/drawingml/2006/main" xmlns:r="http://schemas.openxmlformats.org/officeDocument/2006/relationships" xmlns:p="http://schemas.openxmlformats.org/presentationml/2006/main">
   <p:cSld>
+    <p:bg>
+      <p:bgPr>
+        <a:solidFill>
+          <a:schemeClr val="bg1"/>
+        </a:solidFill>
+        <a:effectLst/>
+      </p:bgPr>
+    </p:bg>
     <p:spTree>
       <p:nvGrpSpPr>
         <p:cNvPr id="1" name=""/>
@@ -4080,10 +5620,269 @@
       </p:grpSpPr>
       <p:sp>
         <p:nvSpPr>
+          <p:cNvPr id="15" name="Rectangle 14">
+            <a:extLst>
+              <a:ext uri="{FF2B5EF4-FFF2-40B4-BE49-F238E27FC236}">
+                <a16:creationId xmlns:a16="http://schemas.microsoft.com/office/drawing/2014/main" id="{A9F529C3-C941-49FD-8C67-82F134F64BDB}"/>
+              </a:ext>
+              <a:ext uri="{C183D7F6-B498-43B3-948B-1728B52AA6E4}">
+                <adec:decorative xmlns:adec="http://schemas.microsoft.com/office/drawing/2017/decorative" val="1"/>
+              </a:ext>
+            </a:extLst>
+          </p:cNvPr>
+          <p:cNvSpPr>
+            <a:spLocks noGrp="1" noRot="1" noChangeAspect="1" noMove="1" noResize="1" noEditPoints="1" noAdjustHandles="1" noChangeArrowheads="1" noChangeShapeType="1" noTextEdit="1"/>
+          </p:cNvSpPr>
+          <p:nvPr>
+            <p:extLst>
+              <p:ext uri="{386F3935-93C4-4BCD-93E2-E3B085C9AB24}">
+                <p16:designElem xmlns:p16="http://schemas.microsoft.com/office/powerpoint/2015/main" val="1"/>
+              </p:ext>
+            </p:extLst>
+          </p:nvPr>
+        </p:nvSpPr>
+        <p:spPr>
+          <a:xfrm>
+            <a:off x="0" y="0"/>
+            <a:ext cx="12192000" cy="6858000"/>
+          </a:xfrm>
+          <a:prstGeom prst="rect">
+            <a:avLst/>
+          </a:prstGeom>
+          <a:solidFill>
+            <a:schemeClr val="tx1">
+              <a:lumMod val="50000"/>
+              <a:lumOff val="50000"/>
+              <a:alpha val="30000"/>
+            </a:schemeClr>
+          </a:solidFill>
+          <a:ln>
+            <a:noFill/>
+          </a:ln>
+        </p:spPr>
+        <p:style>
+          <a:lnRef idx="2">
+            <a:schemeClr val="accent1">
+              <a:shade val="50000"/>
+            </a:schemeClr>
+          </a:lnRef>
+          <a:fillRef idx="1">
+            <a:schemeClr val="accent1"/>
+          </a:fillRef>
+          <a:effectRef idx="0">
+            <a:schemeClr val="accent1"/>
+          </a:effectRef>
+          <a:fontRef idx="minor">
+            <a:schemeClr val="lt1"/>
+          </a:fontRef>
+        </p:style>
+        <p:txBody>
+          <a:bodyPr rtlCol="0" anchor="ctr"/>
+          <a:lstStyle/>
+          <a:p>
+            <a:pPr algn="ctr"/>
+            <a:endParaRPr lang="en-US"/>
+          </a:p>
+        </p:txBody>
+      </p:sp>
+      <p:sp>
+        <p:nvSpPr>
+          <p:cNvPr id="17" name="Rectangle 16">
+            <a:extLst>
+              <a:ext uri="{FF2B5EF4-FFF2-40B4-BE49-F238E27FC236}">
+                <a16:creationId xmlns:a16="http://schemas.microsoft.com/office/drawing/2014/main" id="{20586029-32A0-47E5-9AEC-AE3ABA6B94D0}"/>
+              </a:ext>
+              <a:ext uri="{C183D7F6-B498-43B3-948B-1728B52AA6E4}">
+                <adec:decorative xmlns:adec="http://schemas.microsoft.com/office/drawing/2017/decorative" val="1"/>
+              </a:ext>
+            </a:extLst>
+          </p:cNvPr>
+          <p:cNvSpPr>
+            <a:spLocks noGrp="1" noRot="1" noChangeAspect="1" noMove="1" noResize="1" noEditPoints="1" noAdjustHandles="1" noChangeArrowheads="1" noChangeShapeType="1" noTextEdit="1"/>
+          </p:cNvSpPr>
+          <p:nvPr>
+            <p:extLst>
+              <p:ext uri="{386F3935-93C4-4BCD-93E2-E3B085C9AB24}">
+                <p16:designElem xmlns:p16="http://schemas.microsoft.com/office/powerpoint/2015/main" val="1"/>
+              </p:ext>
+            </p:extLst>
+          </p:nvPr>
+        </p:nvSpPr>
+        <p:spPr>
+          <a:xfrm>
+            <a:off x="477012" y="480060"/>
+            <a:ext cx="11237976" cy="5897880"/>
+          </a:xfrm>
+          <a:prstGeom prst="rect">
+            <a:avLst/>
+          </a:prstGeom>
+          <a:solidFill>
+            <a:srgbClr val="FFFFFF"/>
+          </a:solidFill>
+          <a:ln w="9525">
+            <a:noFill/>
+          </a:ln>
+          <a:effectLst>
+            <a:outerShdw blurRad="63500" dist="17780" dir="5400000" algn="t" rotWithShape="0">
+              <a:prstClr val="black">
+                <a:alpha val="43000"/>
+              </a:prstClr>
+            </a:outerShdw>
+          </a:effectLst>
+        </p:spPr>
+        <p:style>
+          <a:lnRef idx="2">
+            <a:schemeClr val="accent1">
+              <a:shade val="50000"/>
+            </a:schemeClr>
+          </a:lnRef>
+          <a:fillRef idx="1">
+            <a:schemeClr val="accent1"/>
+          </a:fillRef>
+          <a:effectRef idx="0">
+            <a:schemeClr val="accent1"/>
+          </a:effectRef>
+          <a:fontRef idx="minor">
+            <a:schemeClr val="lt1"/>
+          </a:fontRef>
+        </p:style>
+        <p:txBody>
+          <a:bodyPr rtlCol="0" anchor="ctr"/>
+          <a:lstStyle/>
+          <a:p>
+            <a:pPr algn="ctr"/>
+            <a:endParaRPr lang="en-US"/>
+          </a:p>
+        </p:txBody>
+      </p:sp>
+      <p:pic>
+        <p:nvPicPr>
+          <p:cNvPr id="3" name="Immagine 2">
+            <a:extLst>
+              <a:ext uri="{FF2B5EF4-FFF2-40B4-BE49-F238E27FC236}">
+                <a16:creationId xmlns:a16="http://schemas.microsoft.com/office/drawing/2014/main" id="{78AAC4E5-D429-4623-8381-79C69F22858F}"/>
+              </a:ext>
+            </a:extLst>
+          </p:cNvPr>
+          <p:cNvPicPr>
+            <a:picLocks noChangeAspect="1"/>
+          </p:cNvPicPr>
+          <p:nvPr/>
+        </p:nvPicPr>
+        <p:blipFill rotWithShape="1">
+          <a:blip r:embed="rId2">
+            <a:extLst>
+              <a:ext uri="{28A0092B-C50C-407E-A947-70E740481C1C}">
+                <a14:useLocalDpi xmlns:a14="http://schemas.microsoft.com/office/drawing/2010/main" val="0"/>
+              </a:ext>
+            </a:extLst>
+          </a:blip>
+          <a:srcRect l="8952"/>
+          <a:stretch/>
+        </p:blipFill>
+        <p:spPr>
+          <a:xfrm>
+            <a:off x="6468075" y="1016139"/>
+            <a:ext cx="4820757" cy="2991513"/>
+          </a:xfrm>
+          <a:prstGeom prst="rect">
+            <a:avLst/>
+          </a:prstGeom>
+        </p:spPr>
+      </p:pic>
+      <p:cxnSp>
+        <p:nvCxnSpPr>
+          <p:cNvPr id="19" name="Straight Connector 18">
+            <a:extLst>
+              <a:ext uri="{FF2B5EF4-FFF2-40B4-BE49-F238E27FC236}">
+                <a16:creationId xmlns:a16="http://schemas.microsoft.com/office/drawing/2014/main" id="{8C730EAB-A532-4295-A302-FB4B90DB9F5E}"/>
+              </a:ext>
+              <a:ext uri="{C183D7F6-B498-43B3-948B-1728B52AA6E4}">
+                <adec:decorative xmlns:adec="http://schemas.microsoft.com/office/drawing/2017/decorative" val="1"/>
+              </a:ext>
+            </a:extLst>
+          </p:cNvPr>
+          <p:cNvCxnSpPr>
+            <a:cxnSpLocks noGrp="1" noRot="1" noChangeAspect="1" noMove="1" noResize="1" noEditPoints="1" noAdjustHandles="1" noChangeArrowheads="1" noChangeShapeType="1"/>
+          </p:cNvCxnSpPr>
+          <p:nvPr>
+            <p:extLst>
+              <p:ext uri="{386F3935-93C4-4BCD-93E2-E3B085C9AB24}">
+                <p16:designElem xmlns:p16="http://schemas.microsoft.com/office/powerpoint/2015/main" val="1"/>
+              </p:ext>
+            </p:extLst>
+          </p:nvPr>
+        </p:nvCxnSpPr>
+        <p:spPr>
+          <a:xfrm>
+            <a:off x="6079958" y="1143000"/>
+            <a:ext cx="0" cy="4572000"/>
+          </a:xfrm>
+          <a:prstGeom prst="line">
+            <a:avLst/>
+          </a:prstGeom>
+          <a:ln>
+            <a:solidFill>
+              <a:srgbClr val="4E4E4E"/>
+            </a:solidFill>
+          </a:ln>
+        </p:spPr>
+        <p:style>
+          <a:lnRef idx="1">
+            <a:schemeClr val="accent1"/>
+          </a:lnRef>
+          <a:fillRef idx="0">
+            <a:schemeClr val="accent1"/>
+          </a:fillRef>
+          <a:effectRef idx="0">
+            <a:schemeClr val="accent1"/>
+          </a:effectRef>
+          <a:fontRef idx="minor">
+            <a:schemeClr val="tx1"/>
+          </a:fontRef>
+        </p:style>
+      </p:cxnSp>
+      <p:pic>
+        <p:nvPicPr>
+          <p:cNvPr id="5" name="Immagine 4">
+            <a:extLst>
+              <a:ext uri="{FF2B5EF4-FFF2-40B4-BE49-F238E27FC236}">
+                <a16:creationId xmlns:a16="http://schemas.microsoft.com/office/drawing/2014/main" id="{3E3E1023-A4C5-4E84-9BDD-0F89F328A08D}"/>
+              </a:ext>
+            </a:extLst>
+          </p:cNvPr>
+          <p:cNvPicPr>
+            <a:picLocks noChangeAspect="1"/>
+          </p:cNvPicPr>
+          <p:nvPr/>
+        </p:nvPicPr>
+        <p:blipFill rotWithShape="1">
+          <a:blip r:embed="rId3">
+            <a:extLst>
+              <a:ext uri="{28A0092B-C50C-407E-A947-70E740481C1C}">
+                <a14:useLocalDpi xmlns:a14="http://schemas.microsoft.com/office/drawing/2010/main" val="0"/>
+              </a:ext>
+            </a:extLst>
+          </a:blip>
+          <a:srcRect l="8839"/>
+          <a:stretch/>
+        </p:blipFill>
+        <p:spPr>
+          <a:xfrm>
+            <a:off x="865128" y="1933243"/>
+            <a:ext cx="4826714" cy="2991513"/>
+          </a:xfrm>
+          <a:prstGeom prst="rect">
+            <a:avLst/>
+          </a:prstGeom>
+        </p:spPr>
+      </p:pic>
+      <p:sp>
+        <p:nvSpPr>
           <p:cNvPr id="2" name="CasellaDiTesto 1">
             <a:extLst>
               <a:ext uri="{FF2B5EF4-FFF2-40B4-BE49-F238E27FC236}">
-                <a16:creationId xmlns:a16="http://schemas.microsoft.com/office/drawing/2014/main" id="{281F4427-79A9-44E4-ACDC-FAC5817A04C8}"/>
+                <a16:creationId xmlns:a16="http://schemas.microsoft.com/office/drawing/2014/main" id="{8905377A-2CB3-409D-B4D3-42D82F47162F}"/>
               </a:ext>
             </a:extLst>
           </p:cNvPr>
@@ -4092,8 +5891,8 @@
         </p:nvSpPr>
         <p:spPr>
           <a:xfrm>
-            <a:off x="2189527" y="880844"/>
-            <a:ext cx="6971011" cy="369332"/>
+            <a:off x="6556971" y="4791670"/>
+            <a:ext cx="2285369" cy="923330"/>
           </a:xfrm>
           <a:prstGeom prst="rect">
             <a:avLst/>
@@ -4106,41 +5905,200 @@
           </a:bodyPr>
           <a:lstStyle/>
           <a:p>
-            <a:r>
-              <a:rPr lang="en-GB" dirty="0"/>
-              <a:t>&lt;a </a:t>
-            </a:r>
-            <a:r>
-              <a:rPr lang="en-GB" dirty="0" err="1"/>
-              <a:t>href</a:t>
-            </a:r>
-            <a:r>
-              <a:rPr lang="en-GB" dirty="0"/>
-              <a:t>="https://storyset.com/data"&gt;Illustration by </a:t>
-            </a:r>
-            <a:r>
-              <a:rPr lang="en-GB" dirty="0" err="1"/>
-              <a:t>Freepik</a:t>
-            </a:r>
-            <a:r>
-              <a:rPr lang="en-GB" dirty="0"/>
+            <a:pPr marL="285750" indent="-285750">
+              <a:buFont typeface="Arial" panose="020B0604020202020204" pitchFamily="34" charset="0"/>
+              <a:buChar char="•"/>
+            </a:pPr>
+            <a:r>
+              <a:rPr lang="it-IT" dirty="0" err="1"/>
+              <a:t>Shared</a:t>
+            </a:r>
+            <a:r>
+              <a:rPr lang="it-IT" dirty="0"/>
               <a:t> </a:t>
             </a:r>
             <a:r>
-              <a:rPr lang="en-GB" dirty="0" err="1"/>
-              <a:t>Storyset</a:t>
-            </a:r>
-            <a:r>
-              <a:rPr lang="en-GB" dirty="0"/>
-              <a:t>&lt;/a&gt;</a:t>
-            </a:r>
+              <a:rPr lang="it-IT" dirty="0" err="1"/>
+              <a:t>Preferences</a:t>
+            </a:r>
+            <a:endParaRPr lang="it-IT" dirty="0"/>
+          </a:p>
+          <a:p>
+            <a:pPr marL="285750" indent="-285750">
+              <a:buFont typeface="Arial" panose="020B0604020202020204" pitchFamily="34" charset="0"/>
+              <a:buChar char="•"/>
+            </a:pPr>
+            <a:r>
+              <a:rPr lang="it-IT" dirty="0"/>
+              <a:t>Broadcast </a:t>
+            </a:r>
+            <a:r>
+              <a:rPr lang="it-IT" dirty="0" err="1"/>
+              <a:t>Intent</a:t>
+            </a:r>
+            <a:r>
+              <a:rPr lang="it-IT" dirty="0"/>
+              <a:t> </a:t>
+            </a:r>
+          </a:p>
+          <a:p>
+            <a:pPr marL="285750" indent="-285750">
+              <a:buFont typeface="Arial" panose="020B0604020202020204" pitchFamily="34" charset="0"/>
+              <a:buChar char="•"/>
+            </a:pPr>
+            <a:r>
+              <a:rPr lang="it-IT" dirty="0" err="1"/>
+              <a:t>External</a:t>
+            </a:r>
+            <a:r>
+              <a:rPr lang="it-IT" dirty="0"/>
+              <a:t> Storage</a:t>
+            </a:r>
+            <a:endParaRPr lang="en-GB" dirty="0"/>
           </a:p>
         </p:txBody>
       </p:sp>
     </p:spTree>
     <p:extLst>
       <p:ext uri="{BB962C8B-B14F-4D97-AF65-F5344CB8AC3E}">
-        <p14:creationId xmlns:p14="http://schemas.microsoft.com/office/powerpoint/2010/main" val="3757013388"/>
+        <p14:creationId xmlns:p14="http://schemas.microsoft.com/office/powerpoint/2010/main" val="2946929645"/>
+      </p:ext>
+    </p:extLst>
+  </p:cSld>
+  <p:clrMapOvr>
+    <a:masterClrMapping/>
+  </p:clrMapOvr>
+  <mc:AlternateContent xmlns:mc="http://schemas.openxmlformats.org/markup-compatibility/2006">
+    <mc:Choice xmlns:p14="http://schemas.microsoft.com/office/powerpoint/2010/main" Requires="p14">
+      <p:transition spd="med" p14:dur="700">
+        <p:fade/>
+      </p:transition>
+    </mc:Choice>
+    <mc:Fallback>
+      <p:transition spd="med">
+        <p:fade/>
+      </p:transition>
+    </mc:Fallback>
+  </mc:AlternateContent>
+</p:sld>
+</file>
+
+<file path=ppt/slides/slide9.xml><?xml version="1.0" encoding="utf-8"?>
+<p:sld xmlns:a="http://schemas.openxmlformats.org/drawingml/2006/main" xmlns:r="http://schemas.openxmlformats.org/officeDocument/2006/relationships" xmlns:p="http://schemas.openxmlformats.org/presentationml/2006/main">
+  <p:cSld>
+    <p:bg>
+      <p:bgPr>
+        <a:solidFill>
+          <a:schemeClr val="bg1"/>
+        </a:solidFill>
+        <a:effectLst/>
+      </p:bgPr>
+    </p:bg>
+    <p:spTree>
+      <p:nvGrpSpPr>
+        <p:cNvPr id="1" name=""/>
+        <p:cNvGrpSpPr/>
+        <p:nvPr/>
+      </p:nvGrpSpPr>
+      <p:grpSpPr>
+        <a:xfrm>
+          <a:off x="0" y="0"/>
+          <a:ext cx="0" cy="0"/>
+          <a:chOff x="0" y="0"/>
+          <a:chExt cx="0" cy="0"/>
+        </a:xfrm>
+      </p:grpSpPr>
+      <p:pic>
+        <p:nvPicPr>
+          <p:cNvPr id="3" name="Immagine 2">
+            <a:extLst>
+              <a:ext uri="{FF2B5EF4-FFF2-40B4-BE49-F238E27FC236}">
+                <a16:creationId xmlns:a16="http://schemas.microsoft.com/office/drawing/2014/main" id="{79B25A96-C1B5-4BC2-B415-3B240E0B46ED}"/>
+              </a:ext>
+            </a:extLst>
+          </p:cNvPr>
+          <p:cNvPicPr>
+            <a:picLocks noChangeAspect="1"/>
+          </p:cNvPicPr>
+          <p:nvPr/>
+        </p:nvPicPr>
+        <p:blipFill rotWithShape="1">
+          <a:blip r:embed="rId2">
+            <a:extLst>
+              <a:ext uri="{28A0092B-C50C-407E-A947-70E740481C1C}">
+                <a14:useLocalDpi xmlns:a14="http://schemas.microsoft.com/office/drawing/2010/main" val="0"/>
+              </a:ext>
+            </a:extLst>
+          </a:blip>
+          <a:srcRect r="43179" b="48687"/>
+          <a:stretch/>
+        </p:blipFill>
+        <p:spPr>
+          <a:xfrm>
+            <a:off x="1120478" y="1495299"/>
+            <a:ext cx="7009396" cy="3861256"/>
+          </a:xfrm>
+          <a:prstGeom prst="rect">
+            <a:avLst/>
+          </a:prstGeom>
+        </p:spPr>
+      </p:pic>
+      <p:cxnSp>
+        <p:nvCxnSpPr>
+          <p:cNvPr id="13" name="Straight Connector 12">
+            <a:extLst>
+              <a:ext uri="{FF2B5EF4-FFF2-40B4-BE49-F238E27FC236}">
+                <a16:creationId xmlns:a16="http://schemas.microsoft.com/office/drawing/2014/main" id="{E12350F3-DB83-413A-980B-1CEB92498664}"/>
+              </a:ext>
+              <a:ext uri="{C183D7F6-B498-43B3-948B-1728B52AA6E4}">
+                <adec:decorative xmlns:adec="http://schemas.microsoft.com/office/drawing/2017/decorative" val="1"/>
+              </a:ext>
+            </a:extLst>
+          </p:cNvPr>
+          <p:cNvCxnSpPr>
+            <a:cxnSpLocks noGrp="1" noRot="1" noChangeAspect="1" noMove="1" noResize="1" noEditPoints="1" noAdjustHandles="1" noChangeArrowheads="1" noChangeShapeType="1"/>
+          </p:cNvCxnSpPr>
+          <p:nvPr>
+            <p:extLst>
+              <p:ext uri="{386F3935-93C4-4BCD-93E2-E3B085C9AB24}">
+                <p16:designElem xmlns:p16="http://schemas.microsoft.com/office/powerpoint/2015/main" val="1"/>
+              </p:ext>
+            </p:extLst>
+          </p:nvPr>
+        </p:nvCxnSpPr>
+        <p:spPr>
+          <a:xfrm>
+            <a:off x="8453265" y="1570814"/>
+            <a:ext cx="0" cy="3710227"/>
+          </a:xfrm>
+          <a:prstGeom prst="line">
+            <a:avLst/>
+          </a:prstGeom>
+          <a:ln w="19050">
+            <a:solidFill>
+              <a:srgbClr val="FB2916"/>
+            </a:solidFill>
+          </a:ln>
+        </p:spPr>
+        <p:style>
+          <a:lnRef idx="1">
+            <a:schemeClr val="accent1"/>
+          </a:lnRef>
+          <a:fillRef idx="0">
+            <a:schemeClr val="accent1"/>
+          </a:fillRef>
+          <a:effectRef idx="0">
+            <a:schemeClr val="accent1"/>
+          </a:effectRef>
+          <a:fontRef idx="minor">
+            <a:schemeClr val="tx1"/>
+          </a:fontRef>
+        </p:style>
+      </p:cxnSp>
+    </p:spTree>
+    <p:extLst>
+      <p:ext uri="{BB962C8B-B14F-4D97-AF65-F5344CB8AC3E}">
+        <p14:creationId xmlns:p14="http://schemas.microsoft.com/office/powerpoint/2010/main" val="1541071758"/>
       </p:ext>
     </p:extLst>
   </p:cSld>
@@ -4446,6 +6404,21 @@
 </file>
 
 <file path=customXml/item1.xml><?xml version="1.0" encoding="utf-8"?>
+<p:properties xmlns:p="http://schemas.microsoft.com/office/2006/metadata/properties" xmlns:xsi="http://www.w3.org/2001/XMLSchema-instance" xmlns:pc="http://schemas.microsoft.com/office/infopath/2007/PartnerControls">
+  <documentManagement/>
+</p:properties>
+</file>
+
+<file path=customXml/item2.xml><?xml version="1.0" encoding="utf-8"?>
+<?mso-contentType ?>
+<FormTemplates xmlns="http://schemas.microsoft.com/sharepoint/v3/contenttype/forms">
+  <Display>DocumentLibraryForm</Display>
+  <Edit>DocumentLibraryForm</Edit>
+  <New>DocumentLibraryForm</New>
+</FormTemplates>
+</file>
+
+<file path=customXml/item3.xml><?xml version="1.0" encoding="utf-8"?>
 <ct:contentTypeSchema xmlns:ct="http://schemas.microsoft.com/office/2006/metadata/contentType" xmlns:ma="http://schemas.microsoft.com/office/2006/metadata/properties/metaAttributes" ct:_="" ma:_="" ma:contentTypeName="Documento" ma:contentTypeID="0x0101001FA53979BE5B1846BAFA9B6ABF229A49" ma:contentTypeVersion="12" ma:contentTypeDescription="Creare un nuovo documento." ma:contentTypeScope="" ma:versionID="42ee988a0b50fcec2fd20ea60e3a35d5">
   <xsd:schema xmlns:xsd="http://www.w3.org/2001/XMLSchema" xmlns:xs="http://www.w3.org/2001/XMLSchema" xmlns:p="http://schemas.microsoft.com/office/2006/metadata/properties" xmlns:ns3="84989c9d-3a0a-4cbf-adb2-993e3242c80b" xmlns:ns4="c2c13de8-9e36-4854-a229-d5946c7227c1" targetNamespace="http://schemas.microsoft.com/office/2006/metadata/properties" ma:root="true" ma:fieldsID="94a7ab58e34871f318b9a2a3e3651162" ns3:_="" ns4:_="">
     <xsd:import namespace="84989c9d-3a0a-4cbf-adb2-993e3242c80b"/>
@@ -4662,22 +6635,32 @@
 </ct:contentTypeSchema>
 </file>
 
-<file path=customXml/item2.xml><?xml version="1.0" encoding="utf-8"?>
-<?mso-contentType ?>
-<FormTemplates xmlns="http://schemas.microsoft.com/sharepoint/v3/contenttype/forms">
-  <Display>DocumentLibraryForm</Display>
-  <Edit>DocumentLibraryForm</Edit>
-  <New>DocumentLibraryForm</New>
-</FormTemplates>
+<file path=customXml/itemProps1.xml><?xml version="1.0" encoding="utf-8"?>
+<ds:datastoreItem xmlns:ds="http://schemas.openxmlformats.org/officeDocument/2006/customXml" ds:itemID="{BF4B9DAF-86E4-4CF6-A2EF-B4EBABA9647D}">
+  <ds:schemaRefs>
+    <ds:schemaRef ds:uri="http://schemas.openxmlformats.org/package/2006/metadata/core-properties"/>
+    <ds:schemaRef ds:uri="http://www.w3.org/XML/1998/namespace"/>
+    <ds:schemaRef ds:uri="http://schemas.microsoft.com/office/infopath/2007/PartnerControls"/>
+    <ds:schemaRef ds:uri="http://purl.org/dc/elements/1.1/"/>
+    <ds:schemaRef ds:uri="http://schemas.microsoft.com/office/2006/documentManagement/types"/>
+    <ds:schemaRef ds:uri="http://schemas.microsoft.com/office/2006/metadata/properties"/>
+    <ds:schemaRef ds:uri="http://purl.org/dc/terms/"/>
+    <ds:schemaRef ds:uri="84989c9d-3a0a-4cbf-adb2-993e3242c80b"/>
+    <ds:schemaRef ds:uri="c2c13de8-9e36-4854-a229-d5946c7227c1"/>
+    <ds:schemaRef ds:uri="http://purl.org/dc/dcmitype/"/>
+  </ds:schemaRefs>
+</ds:datastoreItem>
 </file>
 
-<file path=customXml/item3.xml><?xml version="1.0" encoding="utf-8"?>
-<p:properties xmlns:p="http://schemas.microsoft.com/office/2006/metadata/properties" xmlns:xsi="http://www.w3.org/2001/XMLSchema-instance" xmlns:pc="http://schemas.microsoft.com/office/infopath/2007/PartnerControls">
-  <documentManagement/>
-</p:properties>
+<file path=customXml/itemProps2.xml><?xml version="1.0" encoding="utf-8"?>
+<ds:datastoreItem xmlns:ds="http://schemas.openxmlformats.org/officeDocument/2006/customXml" ds:itemID="{50247948-DC1E-4107-B0B6-90408DD898C6}">
+  <ds:schemaRefs>
+    <ds:schemaRef ds:uri="http://schemas.microsoft.com/sharepoint/v3/contenttype/forms"/>
+  </ds:schemaRefs>
+</ds:datastoreItem>
 </file>
 
-<file path=customXml/itemProps1.xml><?xml version="1.0" encoding="utf-8"?>
+<file path=customXml/itemProps3.xml><?xml version="1.0" encoding="utf-8"?>
 <ds:datastoreItem xmlns:ds="http://schemas.openxmlformats.org/officeDocument/2006/customXml" ds:itemID="{D8806705-2F69-484D-BFD7-6E01132D4844}">
   <ds:schemaRefs>
     <ds:schemaRef ds:uri="http://schemas.microsoft.com/office/2006/metadata/contentType"/>
@@ -4694,29 +6677,4 @@
     <ds:schemaRef ds:uri="http://schemas.microsoft.com/internal/obd"/>
   </ds:schemaRefs>
 </ds:datastoreItem>
-</file>
-
-<file path=customXml/itemProps2.xml><?xml version="1.0" encoding="utf-8"?>
-<ds:datastoreItem xmlns:ds="http://schemas.openxmlformats.org/officeDocument/2006/customXml" ds:itemID="{50247948-DC1E-4107-B0B6-90408DD898C6}">
-  <ds:schemaRefs>
-    <ds:schemaRef ds:uri="http://schemas.microsoft.com/sharepoint/v3/contenttype/forms"/>
-  </ds:schemaRefs>
-</ds:datastoreItem>
-</file>
-
-<file path=customXml/itemProps3.xml><?xml version="1.0" encoding="utf-8"?>
-<ds:datastoreItem xmlns:ds="http://schemas.openxmlformats.org/officeDocument/2006/customXml" ds:itemID="{BF4B9DAF-86E4-4CF6-A2EF-B4EBABA9647D}">
-  <ds:schemaRefs>
-    <ds:schemaRef ds:uri="http://schemas.openxmlformats.org/package/2006/metadata/core-properties"/>
-    <ds:schemaRef ds:uri="http://www.w3.org/XML/1998/namespace"/>
-    <ds:schemaRef ds:uri="http://schemas.microsoft.com/office/infopath/2007/PartnerControls"/>
-    <ds:schemaRef ds:uri="http://purl.org/dc/elements/1.1/"/>
-    <ds:schemaRef ds:uri="http://schemas.microsoft.com/office/2006/documentManagement/types"/>
-    <ds:schemaRef ds:uri="http://schemas.microsoft.com/office/2006/metadata/properties"/>
-    <ds:schemaRef ds:uri="http://purl.org/dc/terms/"/>
-    <ds:schemaRef ds:uri="84989c9d-3a0a-4cbf-adb2-993e3242c80b"/>
-    <ds:schemaRef ds:uri="c2c13de8-9e36-4854-a229-d5946c7227c1"/>
-    <ds:schemaRef ds:uri="http://purl.org/dc/dcmitype/"/>
-  </ds:schemaRefs>
-</ds:datastoreItem>
 </file>